--- a/Presentation/presentation.pptx
+++ b/Presentation/presentation.pptx
@@ -5,12 +5,16 @@
     <p:sldMasterId id="2147483998" r:id="rId1"/>
   </p:sldMasterIdLst>
   <p:notesMasterIdLst>
-    <p:notesMasterId r:id="rId5"/>
+    <p:notesMasterId r:id="rId9"/>
   </p:notesMasterIdLst>
   <p:sldIdLst>
     <p:sldId id="256" r:id="rId2"/>
     <p:sldId id="257" r:id="rId3"/>
     <p:sldId id="258" r:id="rId4"/>
+    <p:sldId id="259" r:id="rId5"/>
+    <p:sldId id="260" r:id="rId6"/>
+    <p:sldId id="261" r:id="rId7"/>
+    <p:sldId id="262" r:id="rId8"/>
   </p:sldIdLst>
   <p:sldSz cx="9144000" cy="6858000" type="screen4x3"/>
   <p:notesSz cx="7010400" cy="9296400"/>
@@ -109,6 +113,22 @@
       </a:defRPr>
     </a:lvl9pPr>
   </p:defaultTextStyle>
+  <p:extLst>
+    <p:ext uri="{EFAFB233-063F-42B5-8137-9DF3F51BA10A}">
+      <p15:sldGuideLst xmlns:p15="http://schemas.microsoft.com/office/powerpoint/2012/main">
+        <p15:guide id="1" orient="horz" pos="2160">
+          <p15:clr>
+            <a:srgbClr val="A4A3A4"/>
+          </p15:clr>
+        </p15:guide>
+        <p15:guide id="2" pos="2880">
+          <p15:clr>
+            <a:srgbClr val="A4A3A4"/>
+          </p15:clr>
+        </p15:guide>
+      </p15:sldGuideLst>
+    </p:ext>
+  </p:extLst>
 </p:presentation>
 </file>
 
@@ -200,7 +220,7 @@
           <a:p>
             <a:fld id="{9EC04C0B-C3F3-154E-937E-9CF7C163CE16}" type="datetimeFigureOut">
               <a:rPr lang="en-US" smtClean="0"/>
-              <a:t>4/17/17</a:t>
+              <a:t>4/18/2017</a:t>
             </a:fld>
             <a:endParaRPr lang="en-US"/>
           </a:p>
@@ -469,7 +489,7 @@
 </file>
 
 <file path=ppt/slideLayouts/slideLayout1.xml><?xml version="1.0" encoding="utf-8"?>
-<p:sldLayout xmlns:a="http://schemas.openxmlformats.org/drawingml/2006/main" xmlns:r="http://schemas.openxmlformats.org/officeDocument/2006/relationships" xmlns:p="http://schemas.openxmlformats.org/presentationml/2006/main" showMasterSp="0" type="title" preserve="1">
+<p:sldLayout xmlns:a="http://schemas.openxmlformats.org/drawingml/2006/main" xmlns:r="http://schemas.openxmlformats.org/officeDocument/2006/relationships" xmlns:p="http://schemas.openxmlformats.org/presentationml/2006/main" type="title" preserve="1">
   <p:cSld name="Title Slide">
     <p:spTree>
       <p:nvGrpSpPr>
@@ -670,7 +690,7 @@
             <a:fld id="{04AF466F-BDA4-4F18-9C7B-FF0A9A1B0E80}" type="datetime1">
               <a:rPr lang="en-US" smtClean="0"/>
               <a:pPr/>
-              <a:t>4/17/17</a:t>
+              <a:t>4/18/2017</a:t>
             </a:fld>
             <a:endParaRPr lang="en-US"/>
           </a:p>
@@ -1125,7 +1145,7 @@
             <a:fld id="{327B613C-1AD7-49D3-885D-F654C5CDBAA6}" type="datetime1">
               <a:rPr lang="en-US" smtClean="0"/>
               <a:pPr/>
-              <a:t>4/17/17</a:t>
+              <a:t>4/18/2017</a:t>
             </a:fld>
             <a:endParaRPr lang="en-US" dirty="0"/>
           </a:p>
@@ -1671,7 +1691,7 @@
             <a:fld id="{02B28685-4D0C-42D5-8013-B5904CD1FCBC}" type="datetime1">
               <a:rPr lang="en-US" smtClean="0"/>
               <a:pPr/>
-              <a:t>4/17/17</a:t>
+              <a:t>4/18/2017</a:t>
             </a:fld>
             <a:endParaRPr lang="en-US"/>
           </a:p>
@@ -1809,7 +1829,7 @@
             <a:fld id="{FDF226C0-9885-4BA9-BBFA-A52CBFEBB775}" type="datetime1">
               <a:rPr lang="en-US" smtClean="0"/>
               <a:pPr/>
-              <a:t>4/17/17</a:t>
+              <a:t>4/18/2017</a:t>
             </a:fld>
             <a:endParaRPr lang="en-US"/>
           </a:p>
@@ -2149,7 +2169,7 @@
             <a:fld id="{EBEE1B38-C5EB-4D66-9137-0AFE9CDEDE8F}" type="datetime1">
               <a:rPr lang="en-US" smtClean="0"/>
               <a:pPr/>
-              <a:t>4/17/17</a:t>
+              <a:t>4/18/2017</a:t>
             </a:fld>
             <a:endParaRPr lang="en-US"/>
           </a:p>
@@ -2476,7 +2496,7 @@
             <a:fld id="{327B613C-1AD7-49D3-885D-F654C5CDBAA6}" type="datetime1">
               <a:rPr lang="en-US" smtClean="0"/>
               <a:pPr/>
-              <a:t>4/17/17</a:t>
+              <a:t>4/18/2017</a:t>
             </a:fld>
             <a:endParaRPr lang="en-US" dirty="0"/>
           </a:p>
@@ -2776,7 +2796,7 @@
             <a:fld id="{327B613C-1AD7-49D3-885D-F654C5CDBAA6}" type="datetime1">
               <a:rPr lang="en-US" smtClean="0"/>
               <a:pPr/>
-              <a:t>4/17/17</a:t>
+              <a:t>4/18/2017</a:t>
             </a:fld>
             <a:endParaRPr lang="en-US" dirty="0"/>
           </a:p>
@@ -3166,7 +3186,7 @@
             <a:fld id="{327B613C-1AD7-49D3-885D-F654C5CDBAA6}" type="datetime1">
               <a:rPr lang="en-US" smtClean="0"/>
               <a:pPr/>
-              <a:t>4/17/17</a:t>
+              <a:t>4/18/2017</a:t>
             </a:fld>
             <a:endParaRPr lang="en-US" dirty="0"/>
           </a:p>
@@ -3589,7 +3609,7 @@
             <a:fld id="{327B613C-1AD7-49D3-885D-F654C5CDBAA6}" type="datetime1">
               <a:rPr lang="en-US" smtClean="0"/>
               <a:pPr/>
-              <a:t>4/17/17</a:t>
+              <a:t>4/18/2017</a:t>
             </a:fld>
             <a:endParaRPr lang="en-US" dirty="0"/>
           </a:p>
@@ -4140,7 +4160,7 @@
             <a:fld id="{327B613C-1AD7-49D3-885D-F654C5CDBAA6}" type="datetime1">
               <a:rPr lang="en-US" smtClean="0"/>
               <a:pPr/>
-              <a:t>4/17/17</a:t>
+              <a:t>4/18/2017</a:t>
             </a:fld>
             <a:endParaRPr lang="en-US" dirty="0"/>
           </a:p>
@@ -4501,7 +4521,7 @@
             <a:fld id="{58FB4290-6522-4139-852E-05BD9E7F0D2E}" type="datetime1">
               <a:rPr lang="en-US" smtClean="0"/>
               <a:pPr/>
-              <a:t>4/17/17</a:t>
+              <a:t>4/18/2017</a:t>
             </a:fld>
             <a:endParaRPr lang="en-US"/>
           </a:p>
@@ -4718,7 +4738,7 @@
             <a:fld id="{1CEF607B-A47E-422C-9BEF-122CCDB7C526}" type="datetime1">
               <a:rPr lang="en-US" smtClean="0"/>
               <a:pPr/>
-              <a:t>4/17/17</a:t>
+              <a:t>4/18/2017</a:t>
             </a:fld>
             <a:endParaRPr lang="en-US"/>
           </a:p>
@@ -5027,7 +5047,7 @@
             <a:fld id="{AAB955F9-81EA-47C5-8059-9E5C2B437C70}" type="datetime1">
               <a:rPr lang="en-US" smtClean="0"/>
               <a:pPr/>
-              <a:t>4/17/17</a:t>
+              <a:t>4/18/2017</a:t>
             </a:fld>
             <a:endParaRPr lang="en-US"/>
           </a:p>
@@ -5285,7 +5305,7 @@
             <a:fld id="{327B613C-1AD7-49D3-885D-F654C5CDBAA6}" type="datetime1">
               <a:rPr lang="en-US" smtClean="0"/>
               <a:pPr/>
-              <a:t>4/17/17</a:t>
+              <a:t>4/18/2017</a:t>
             </a:fld>
             <a:endParaRPr lang="en-US" dirty="0"/>
           </a:p>
@@ -5677,7 +5697,7 @@
             <a:fld id="{327B613C-1AD7-49D3-885D-F654C5CDBAA6}" type="datetime1">
               <a:rPr lang="en-US" smtClean="0"/>
               <a:pPr/>
-              <a:t>4/17/17</a:t>
+              <a:t>4/18/2017</a:t>
             </a:fld>
             <a:endParaRPr lang="en-US" dirty="0"/>
           </a:p>
@@ -6268,7 +6288,7 @@
             <a:fld id="{63A9A7CB-BEE6-4F99-898E-913F06E8E125}" type="datetime1">
               <a:rPr lang="en-US" smtClean="0"/>
               <a:pPr/>
-              <a:t>4/17/17</a:t>
+              <a:t>4/18/2017</a:t>
             </a:fld>
             <a:endParaRPr lang="en-US"/>
           </a:p>
@@ -6785,7 +6805,7 @@
             <a:fld id="{B6EE300C-6FC5-4FC3-AF1A-075E4F50620D}" type="datetime1">
               <a:rPr lang="en-US" smtClean="0"/>
               <a:pPr/>
-              <a:t>4/17/17</a:t>
+              <a:t>4/18/2017</a:t>
             </a:fld>
             <a:endParaRPr lang="en-US"/>
           </a:p>
@@ -7160,7 +7180,7 @@
             <a:fld id="{F50D295D-4A77-4DEB-B04C-9F4282A8BC04}" type="datetime1">
               <a:rPr lang="en-US" smtClean="0"/>
               <a:pPr/>
-              <a:t>4/17/17</a:t>
+              <a:t>4/18/2017</a:t>
             </a:fld>
             <a:endParaRPr lang="en-US"/>
           </a:p>
@@ -7561,7 +7581,7 @@
             <a:fld id="{327B613C-1AD7-49D3-885D-F654C5CDBAA6}" type="datetime1">
               <a:rPr lang="en-US" smtClean="0"/>
               <a:pPr/>
-              <a:t>4/17/17</a:t>
+              <a:t>4/18/2017</a:t>
             </a:fld>
             <a:endParaRPr lang="en-US" dirty="0"/>
           </a:p>
@@ -7984,7 +8004,7 @@
             <a:fld id="{327B613C-1AD7-49D3-885D-F654C5CDBAA6}" type="datetime1">
               <a:rPr lang="en-US" smtClean="0"/>
               <a:pPr/>
-              <a:t>4/17/17</a:t>
+              <a:t>4/18/2017</a:t>
             </a:fld>
             <a:endParaRPr lang="en-US" dirty="0"/>
           </a:p>
@@ -8220,9 +8240,17 @@
 <p:sldMaster xmlns:a="http://schemas.openxmlformats.org/drawingml/2006/main" xmlns:r="http://schemas.openxmlformats.org/officeDocument/2006/relationships" xmlns:p="http://schemas.openxmlformats.org/presentationml/2006/main">
   <p:cSld>
     <p:bg>
-      <p:bgRef idx="1001">
-        <a:schemeClr val="bg1"/>
-      </p:bgRef>
+      <p:bgPr>
+        <a:pattFill prst="pct5">
+          <a:fgClr>
+            <a:schemeClr val="accent1"/>
+          </a:fgClr>
+          <a:bgClr>
+            <a:schemeClr val="bg1"/>
+          </a:bgClr>
+        </a:pattFill>
+        <a:effectLst/>
+      </p:bgPr>
     </p:bg>
     <p:spTree>
       <p:nvGrpSpPr>
@@ -8370,7 +8398,7 @@
             <a:fld id="{327B613C-1AD7-49D3-885D-F654C5CDBAA6}" type="datetime1">
               <a:rPr lang="en-US" smtClean="0"/>
               <a:pPr/>
-              <a:t>4/17/17</a:t>
+              <a:t>4/18/2017</a:t>
             </a:fld>
             <a:endParaRPr lang="en-US" dirty="0"/>
           </a:p>
@@ -8849,11 +8877,7 @@
           <a:p>
             <a:r>
               <a:rPr lang="en-US" sz="3200" dirty="0" smtClean="0"/>
-              <a:t>S</a:t>
-            </a:r>
-            <a:r>
-              <a:rPr lang="en-US" sz="3200" dirty="0" smtClean="0"/>
-              <a:t>calable Data Center Simulation</a:t>
+              <a:t>Scalable Data Center Simulation</a:t>
             </a:r>
             <a:endParaRPr lang="en-US" sz="3200" dirty="0"/>
           </a:p>
@@ -9017,7 +9041,7 @@
           </p:nvPr>
         </p:nvPicPr>
         <p:blipFill>
-          <a:blip r:embed="rId2">
+          <a:blip r:embed="rId2" cstate="email">
             <a:extLst>
               <a:ext uri="{28A0092B-C50C-407E-A947-70E740481C1C}">
                 <a14:useLocalDpi xmlns:a14="http://schemas.microsoft.com/office/drawing/2010/main" val="0"/>
@@ -9118,11 +9142,7 @@
           <a:p>
             <a:r>
               <a:rPr lang="en-US" dirty="0" smtClean="0"/>
-              <a:t>F</a:t>
-            </a:r>
-            <a:r>
-              <a:rPr lang="en-US" dirty="0" smtClean="0"/>
-              <a:t>at-Tree Data Center Topology</a:t>
+              <a:t>Fat-Tree Data Center Topology</a:t>
             </a:r>
             <a:endParaRPr lang="en-US" dirty="0"/>
           </a:p>
@@ -9139,7 +9159,7 @@
           </p:nvPr>
         </p:nvPicPr>
         <p:blipFill>
-          <a:blip r:embed="rId2">
+          <a:blip r:embed="rId2" cstate="email">
             <a:extLst>
               <a:ext uri="{28A0092B-C50C-407E-A947-70E740481C1C}">
                 <a14:useLocalDpi xmlns:a14="http://schemas.microsoft.com/office/drawing/2010/main" val="0"/>
@@ -9185,6 +9205,742 @@
     <p:extLst>
       <p:ext uri="{BB962C8B-B14F-4D97-AF65-F5344CB8AC3E}">
         <p14:creationId xmlns:p14="http://schemas.microsoft.com/office/powerpoint/2010/main" val="1933891466"/>
+      </p:ext>
+    </p:extLst>
+  </p:cSld>
+  <p:clrMapOvr>
+    <a:masterClrMapping/>
+  </p:clrMapOvr>
+</p:sld>
+</file>
+
+<file path=ppt/slides/slide4.xml><?xml version="1.0" encoding="utf-8"?>
+<p:sld xmlns:a="http://schemas.openxmlformats.org/drawingml/2006/main" xmlns:r="http://schemas.openxmlformats.org/officeDocument/2006/relationships" xmlns:p="http://schemas.openxmlformats.org/presentationml/2006/main">
+  <p:cSld>
+    <p:spTree>
+      <p:nvGrpSpPr>
+        <p:cNvPr id="1" name=""/>
+        <p:cNvGrpSpPr/>
+        <p:nvPr/>
+      </p:nvGrpSpPr>
+      <p:grpSpPr>
+        <a:xfrm>
+          <a:off x="0" y="0"/>
+          <a:ext cx="0" cy="0"/>
+          <a:chOff x="0" y="0"/>
+          <a:chExt cx="0" cy="0"/>
+        </a:xfrm>
+      </p:grpSpPr>
+      <p:sp>
+        <p:nvSpPr>
+          <p:cNvPr id="2" name="标题 1"/>
+          <p:cNvSpPr>
+            <a:spLocks noGrp="1"/>
+          </p:cNvSpPr>
+          <p:nvPr>
+            <p:ph type="title"/>
+          </p:nvPr>
+        </p:nvSpPr>
+        <p:spPr/>
+        <p:txBody>
+          <a:bodyPr/>
+          <a:lstStyle/>
+          <a:p>
+            <a:r>
+              <a:rPr lang="en-US" dirty="0" smtClean="0"/>
+              <a:t>Simulations of Data Center Network(DCN)</a:t>
+            </a:r>
+            <a:endParaRPr lang="en-US" dirty="0"/>
+          </a:p>
+        </p:txBody>
+      </p:sp>
+      <p:pic>
+        <p:nvPicPr>
+          <p:cNvPr id="4" name="内容占位符 3"/>
+          <p:cNvPicPr>
+            <a:picLocks noGrp="1" noChangeAspect="1"/>
+          </p:cNvPicPr>
+          <p:nvPr>
+            <p:ph idx="1"/>
+          </p:nvPr>
+        </p:nvPicPr>
+        <p:blipFill>
+          <a:blip r:embed="rId2"/>
+          <a:stretch>
+            <a:fillRect/>
+          </a:stretch>
+        </p:blipFill>
+        <p:spPr>
+          <a:xfrm>
+            <a:off x="682618" y="1798320"/>
+            <a:ext cx="2327455" cy="4144963"/>
+          </a:xfrm>
+          <a:prstGeom prst="rect">
+            <a:avLst/>
+          </a:prstGeom>
+        </p:spPr>
+      </p:pic>
+      <p:pic>
+        <p:nvPicPr>
+          <p:cNvPr id="5" name="Content Placeholder 3" descr="AlFaresFatTree.png"/>
+          <p:cNvPicPr>
+            <a:picLocks noChangeAspect="1"/>
+          </p:cNvPicPr>
+          <p:nvPr/>
+        </p:nvPicPr>
+        <p:blipFill>
+          <a:blip r:embed="rId3" cstate="email">
+            <a:extLst>
+              <a:ext uri="{28A0092B-C50C-407E-A947-70E740481C1C}">
+                <a14:useLocalDpi xmlns:a14="http://schemas.microsoft.com/office/drawing/2010/main" val="0"/>
+              </a:ext>
+            </a:extLst>
+          </a:blip>
+          <a:srcRect t="-17332" b="-17332"/>
+          <a:stretch>
+            <a:fillRect/>
+          </a:stretch>
+        </p:blipFill>
+        <p:spPr>
+          <a:xfrm>
+            <a:off x="3457647" y="1600200"/>
+            <a:ext cx="3649190" cy="2001738"/>
+          </a:xfrm>
+          <a:prstGeom prst="rect">
+            <a:avLst/>
+          </a:prstGeom>
+        </p:spPr>
+      </p:pic>
+      <p:sp>
+        <p:nvSpPr>
+          <p:cNvPr id="6" name="文本框 5"/>
+          <p:cNvSpPr txBox="1"/>
+          <p:nvPr/>
+        </p:nvSpPr>
+        <p:spPr>
+          <a:xfrm>
+            <a:off x="3457647" y="3501469"/>
+            <a:ext cx="5305353" cy="2031325"/>
+          </a:xfrm>
+          <a:prstGeom prst="rect">
+            <a:avLst/>
+          </a:prstGeom>
+          <a:noFill/>
+        </p:spPr>
+        <p:txBody>
+          <a:bodyPr wrap="square" rtlCol="0">
+            <a:spAutoFit/>
+          </a:bodyPr>
+          <a:lstStyle/>
+          <a:p>
+            <a:pPr algn="just"/>
+            <a:r>
+              <a:rPr lang="en-US" altLang="zh-CN" sz="1400" dirty="0" smtClean="0"/>
+              <a:t>In this part, we applied naming rules that the paper mentioned by using Python. We built a same structure as the picture shows. Mainly, we have 4 pods, which contains 4*(4/2)^2 switches, and each Edge-layer switch links to 2 end host, each Aggregation-layer switch links to 2 lower layer switches and two upper layer switches – core switches. Plus, those switches and end hosts’ IP addresses are arranged by the algorithm in the paper. Then we will run some simulations using this DCN.</a:t>
+            </a:r>
+            <a:endParaRPr lang="en-US" sz="1400" dirty="0"/>
+          </a:p>
+        </p:txBody>
+      </p:sp>
+    </p:spTree>
+    <p:extLst>
+      <p:ext uri="{BB962C8B-B14F-4D97-AF65-F5344CB8AC3E}">
+        <p14:creationId xmlns:p14="http://schemas.microsoft.com/office/powerpoint/2010/main" val="4125127960"/>
+      </p:ext>
+    </p:extLst>
+  </p:cSld>
+  <p:clrMapOvr>
+    <a:masterClrMapping/>
+  </p:clrMapOvr>
+</p:sld>
+</file>
+
+<file path=ppt/slides/slide5.xml><?xml version="1.0" encoding="utf-8"?>
+<p:sld xmlns:a="http://schemas.openxmlformats.org/drawingml/2006/main" xmlns:r="http://schemas.openxmlformats.org/officeDocument/2006/relationships" xmlns:p="http://schemas.openxmlformats.org/presentationml/2006/main">
+  <p:cSld>
+    <p:spTree>
+      <p:nvGrpSpPr>
+        <p:cNvPr id="1" name=""/>
+        <p:cNvGrpSpPr/>
+        <p:nvPr/>
+      </p:nvGrpSpPr>
+      <p:grpSpPr>
+        <a:xfrm>
+          <a:off x="0" y="0"/>
+          <a:ext cx="0" cy="0"/>
+          <a:chOff x="0" y="0"/>
+          <a:chExt cx="0" cy="0"/>
+        </a:xfrm>
+      </p:grpSpPr>
+      <p:sp>
+        <p:nvSpPr>
+          <p:cNvPr id="2" name="标题 1"/>
+          <p:cNvSpPr>
+            <a:spLocks noGrp="1"/>
+          </p:cNvSpPr>
+          <p:nvPr>
+            <p:ph type="title"/>
+          </p:nvPr>
+        </p:nvSpPr>
+        <p:spPr>
+          <a:xfrm>
+            <a:off x="498474" y="484094"/>
+            <a:ext cx="7556313" cy="1116106"/>
+          </a:xfrm>
+        </p:spPr>
+        <p:txBody>
+          <a:bodyPr/>
+          <a:lstStyle/>
+          <a:p>
+            <a:r>
+              <a:rPr lang="en-US" dirty="0" smtClean="0"/>
+              <a:t>Routing Algorithm(1)</a:t>
+            </a:r>
+            <a:br>
+              <a:rPr lang="en-US" dirty="0" smtClean="0"/>
+            </a:br>
+            <a:r>
+              <a:rPr lang="en-US" dirty="0"/>
+              <a:t>	</a:t>
+            </a:r>
+            <a:r>
+              <a:rPr lang="en-US" sz="2400" dirty="0" smtClean="0"/>
+              <a:t>Establishment of Routing Tables</a:t>
+            </a:r>
+            <a:endParaRPr lang="en-US" dirty="0"/>
+          </a:p>
+        </p:txBody>
+      </p:sp>
+      <p:pic>
+        <p:nvPicPr>
+          <p:cNvPr id="4" name="内容占位符 3"/>
+          <p:cNvPicPr>
+            <a:picLocks noGrp="1" noChangeAspect="1"/>
+          </p:cNvPicPr>
+          <p:nvPr>
+            <p:ph idx="1"/>
+          </p:nvPr>
+        </p:nvPicPr>
+        <p:blipFill>
+          <a:blip r:embed="rId2"/>
+          <a:stretch>
+            <a:fillRect/>
+          </a:stretch>
+        </p:blipFill>
+        <p:spPr>
+          <a:xfrm>
+            <a:off x="545070" y="1803163"/>
+            <a:ext cx="1721475" cy="2074971"/>
+          </a:xfrm>
+          <a:prstGeom prst="rect">
+            <a:avLst/>
+          </a:prstGeom>
+        </p:spPr>
+      </p:pic>
+      <p:pic>
+        <p:nvPicPr>
+          <p:cNvPr id="5" name="图片 4"/>
+          <p:cNvPicPr>
+            <a:picLocks noChangeAspect="1"/>
+          </p:cNvPicPr>
+          <p:nvPr/>
+        </p:nvPicPr>
+        <p:blipFill>
+          <a:blip r:embed="rId3"/>
+          <a:stretch>
+            <a:fillRect/>
+          </a:stretch>
+        </p:blipFill>
+        <p:spPr>
+          <a:xfrm>
+            <a:off x="2557695" y="2224773"/>
+            <a:ext cx="1591131" cy="3306721"/>
+          </a:xfrm>
+          <a:prstGeom prst="rect">
+            <a:avLst/>
+          </a:prstGeom>
+        </p:spPr>
+      </p:pic>
+      <p:pic>
+        <p:nvPicPr>
+          <p:cNvPr id="6" name="图片 5"/>
+          <p:cNvPicPr>
+            <a:picLocks noChangeAspect="1"/>
+          </p:cNvPicPr>
+          <p:nvPr/>
+        </p:nvPicPr>
+        <p:blipFill>
+          <a:blip r:embed="rId4"/>
+          <a:stretch>
+            <a:fillRect/>
+          </a:stretch>
+        </p:blipFill>
+        <p:spPr>
+          <a:xfrm>
+            <a:off x="498474" y="4163229"/>
+            <a:ext cx="1781509" cy="1844919"/>
+          </a:xfrm>
+          <a:prstGeom prst="rect">
+            <a:avLst/>
+          </a:prstGeom>
+        </p:spPr>
+      </p:pic>
+      <p:sp>
+        <p:nvSpPr>
+          <p:cNvPr id="7" name="文本框 6"/>
+          <p:cNvSpPr txBox="1"/>
+          <p:nvPr/>
+        </p:nvSpPr>
+        <p:spPr>
+          <a:xfrm>
+            <a:off x="4792532" y="3544645"/>
+            <a:ext cx="2985247" cy="369332"/>
+          </a:xfrm>
+          <a:prstGeom prst="rect">
+            <a:avLst/>
+          </a:prstGeom>
+          <a:noFill/>
+        </p:spPr>
+        <p:txBody>
+          <a:bodyPr wrap="square" rtlCol="0">
+            <a:spAutoFit/>
+          </a:bodyPr>
+          <a:lstStyle/>
+          <a:p>
+            <a:r>
+              <a:rPr lang="en-US" dirty="0" smtClean="0"/>
+              <a:t>By GLH.</a:t>
+            </a:r>
+            <a:endParaRPr lang="en-US" dirty="0"/>
+          </a:p>
+        </p:txBody>
+      </p:sp>
+    </p:spTree>
+    <p:extLst>
+      <p:ext uri="{BB962C8B-B14F-4D97-AF65-F5344CB8AC3E}">
+        <p14:creationId xmlns:p14="http://schemas.microsoft.com/office/powerpoint/2010/main" val="2810170290"/>
+      </p:ext>
+    </p:extLst>
+  </p:cSld>
+  <p:clrMapOvr>
+    <a:masterClrMapping/>
+  </p:clrMapOvr>
+</p:sld>
+</file>
+
+<file path=ppt/slides/slide6.xml><?xml version="1.0" encoding="utf-8"?>
+<p:sld xmlns:a="http://schemas.openxmlformats.org/drawingml/2006/main" xmlns:r="http://schemas.openxmlformats.org/officeDocument/2006/relationships" xmlns:p="http://schemas.openxmlformats.org/presentationml/2006/main">
+  <p:cSld>
+    <p:spTree>
+      <p:nvGrpSpPr>
+        <p:cNvPr id="1" name=""/>
+        <p:cNvGrpSpPr/>
+        <p:nvPr/>
+      </p:nvGrpSpPr>
+      <p:grpSpPr>
+        <a:xfrm>
+          <a:off x="0" y="0"/>
+          <a:ext cx="0" cy="0"/>
+          <a:chOff x="0" y="0"/>
+          <a:chExt cx="0" cy="0"/>
+        </a:xfrm>
+      </p:grpSpPr>
+      <p:pic>
+        <p:nvPicPr>
+          <p:cNvPr id="5" name="内容占位符 4"/>
+          <p:cNvPicPr>
+            <a:picLocks noGrp="1" noChangeAspect="1"/>
+          </p:cNvPicPr>
+          <p:nvPr>
+            <p:ph idx="1"/>
+          </p:nvPr>
+        </p:nvPicPr>
+        <p:blipFill>
+          <a:blip r:embed="rId2"/>
+          <a:stretch>
+            <a:fillRect/>
+          </a:stretch>
+        </p:blipFill>
+        <p:spPr>
+          <a:xfrm>
+            <a:off x="389893" y="2029195"/>
+            <a:ext cx="4105305" cy="1090620"/>
+          </a:xfrm>
+          <a:prstGeom prst="rect">
+            <a:avLst/>
+          </a:prstGeom>
+        </p:spPr>
+      </p:pic>
+      <p:sp>
+        <p:nvSpPr>
+          <p:cNvPr id="4" name="标题 1"/>
+          <p:cNvSpPr>
+            <a:spLocks noGrp="1"/>
+          </p:cNvSpPr>
+          <p:nvPr>
+            <p:ph type="title"/>
+          </p:nvPr>
+        </p:nvSpPr>
+        <p:spPr/>
+        <p:txBody>
+          <a:bodyPr/>
+          <a:lstStyle/>
+          <a:p>
+            <a:r>
+              <a:rPr lang="en-US" dirty="0" smtClean="0"/>
+              <a:t>Routing Algorithm(2)</a:t>
+            </a:r>
+            <a:br>
+              <a:rPr lang="en-US" dirty="0" smtClean="0"/>
+            </a:br>
+            <a:r>
+              <a:rPr lang="en-US" dirty="0"/>
+              <a:t>	</a:t>
+            </a:r>
+            <a:r>
+              <a:rPr lang="en-US" sz="2400" dirty="0" smtClean="0"/>
+              <a:t>Applying Routing Algorithm</a:t>
+            </a:r>
+            <a:endParaRPr lang="en-US" dirty="0"/>
+          </a:p>
+        </p:txBody>
+      </p:sp>
+      <p:grpSp>
+        <p:nvGrpSpPr>
+          <p:cNvPr id="18" name="组合 17"/>
+          <p:cNvGrpSpPr/>
+          <p:nvPr/>
+        </p:nvGrpSpPr>
+        <p:grpSpPr>
+          <a:xfrm>
+            <a:off x="4319195" y="2820553"/>
+            <a:ext cx="4424082" cy="2145895"/>
+            <a:chOff x="3334871" y="2820553"/>
+            <a:chExt cx="5408406" cy="2966744"/>
+          </a:xfrm>
+        </p:grpSpPr>
+        <p:pic>
+          <p:nvPicPr>
+            <p:cNvPr id="6" name="Content Placeholder 3" descr="AlFaresFatTree.png"/>
+            <p:cNvPicPr>
+              <a:picLocks noChangeAspect="1"/>
+            </p:cNvPicPr>
+            <p:nvPr/>
+          </p:nvPicPr>
+          <p:blipFill>
+            <a:blip r:embed="rId3" cstate="email">
+              <a:extLst>
+                <a:ext uri="{28A0092B-C50C-407E-A947-70E740481C1C}">
+                  <a14:useLocalDpi xmlns:a14="http://schemas.microsoft.com/office/drawing/2010/main" val="0"/>
+                </a:ext>
+              </a:extLst>
+            </a:blip>
+            <a:srcRect t="-17332" b="-17332"/>
+            <a:stretch>
+              <a:fillRect/>
+            </a:stretch>
+          </p:blipFill>
+          <p:spPr>
+            <a:xfrm>
+              <a:off x="3334871" y="2820553"/>
+              <a:ext cx="5408406" cy="2966744"/>
+            </a:xfrm>
+            <a:prstGeom prst="rect">
+              <a:avLst/>
+            </a:prstGeom>
+          </p:spPr>
+        </p:pic>
+        <p:cxnSp>
+          <p:nvCxnSpPr>
+            <p:cNvPr id="8" name="直接箭头连接符 7"/>
+            <p:cNvCxnSpPr/>
+            <p:nvPr/>
+          </p:nvCxnSpPr>
+          <p:spPr>
+            <a:xfrm flipH="1" flipV="1">
+              <a:off x="3689873" y="4340711"/>
+              <a:ext cx="338866" cy="268941"/>
+            </a:xfrm>
+            <a:prstGeom prst="straightConnector1">
+              <a:avLst/>
+            </a:prstGeom>
+            <a:ln>
+              <a:tailEnd type="triangle"/>
+            </a:ln>
+          </p:spPr>
+          <p:style>
+            <a:lnRef idx="2">
+              <a:schemeClr val="dk1"/>
+            </a:lnRef>
+            <a:fillRef idx="0">
+              <a:schemeClr val="dk1"/>
+            </a:fillRef>
+            <a:effectRef idx="1">
+              <a:schemeClr val="dk1"/>
+            </a:effectRef>
+            <a:fontRef idx="minor">
+              <a:schemeClr val="tx1"/>
+            </a:fontRef>
+          </p:style>
+        </p:cxnSp>
+        <p:cxnSp>
+          <p:nvCxnSpPr>
+            <p:cNvPr id="9" name="直接箭头连接符 8"/>
+            <p:cNvCxnSpPr/>
+            <p:nvPr/>
+          </p:nvCxnSpPr>
+          <p:spPr>
+            <a:xfrm flipV="1">
+              <a:off x="3689873" y="3463962"/>
+              <a:ext cx="1694329" cy="797861"/>
+            </a:xfrm>
+            <a:prstGeom prst="straightConnector1">
+              <a:avLst/>
+            </a:prstGeom>
+            <a:ln>
+              <a:tailEnd type="triangle"/>
+            </a:ln>
+          </p:spPr>
+          <p:style>
+            <a:lnRef idx="2">
+              <a:schemeClr val="dk1"/>
+            </a:lnRef>
+            <a:fillRef idx="0">
+              <a:schemeClr val="dk1"/>
+            </a:fillRef>
+            <a:effectRef idx="1">
+              <a:schemeClr val="dk1"/>
+            </a:effectRef>
+            <a:fontRef idx="minor">
+              <a:schemeClr val="tx1"/>
+            </a:fontRef>
+          </p:style>
+        </p:cxnSp>
+        <p:cxnSp>
+          <p:nvCxnSpPr>
+            <p:cNvPr id="11" name="直接箭头连接符 10"/>
+            <p:cNvCxnSpPr/>
+            <p:nvPr/>
+          </p:nvCxnSpPr>
+          <p:spPr>
+            <a:xfrm>
+              <a:off x="5488193" y="3518746"/>
+              <a:ext cx="589878" cy="692873"/>
+            </a:xfrm>
+            <a:prstGeom prst="straightConnector1">
+              <a:avLst/>
+            </a:prstGeom>
+            <a:ln>
+              <a:tailEnd type="triangle"/>
+            </a:ln>
+          </p:spPr>
+          <p:style>
+            <a:lnRef idx="2">
+              <a:schemeClr val="dk1"/>
+            </a:lnRef>
+            <a:fillRef idx="0">
+              <a:schemeClr val="dk1"/>
+            </a:fillRef>
+            <a:effectRef idx="1">
+              <a:schemeClr val="dk1"/>
+            </a:effectRef>
+            <a:fontRef idx="minor">
+              <a:schemeClr val="tx1"/>
+            </a:fontRef>
+          </p:style>
+        </p:cxnSp>
+        <p:cxnSp>
+          <p:nvCxnSpPr>
+            <p:cNvPr id="13" name="直接箭头连接符 12"/>
+            <p:cNvCxnSpPr/>
+            <p:nvPr/>
+          </p:nvCxnSpPr>
+          <p:spPr>
+            <a:xfrm>
+              <a:off x="6105861" y="4342506"/>
+              <a:ext cx="0" cy="267146"/>
+            </a:xfrm>
+            <a:prstGeom prst="straightConnector1">
+              <a:avLst/>
+            </a:prstGeom>
+            <a:ln>
+              <a:tailEnd type="triangle"/>
+            </a:ln>
+          </p:spPr>
+          <p:style>
+            <a:lnRef idx="2">
+              <a:schemeClr val="dk1"/>
+            </a:lnRef>
+            <a:fillRef idx="0">
+              <a:schemeClr val="dk1"/>
+            </a:fillRef>
+            <a:effectRef idx="1">
+              <a:schemeClr val="dk1"/>
+            </a:effectRef>
+            <a:fontRef idx="minor">
+              <a:schemeClr val="tx1"/>
+            </a:fontRef>
+          </p:style>
+        </p:cxnSp>
+        <p:cxnSp>
+          <p:nvCxnSpPr>
+            <p:cNvPr id="15" name="直接箭头连接符 14"/>
+            <p:cNvCxnSpPr/>
+            <p:nvPr/>
+          </p:nvCxnSpPr>
+          <p:spPr>
+            <a:xfrm>
+              <a:off x="6124687" y="4699302"/>
+              <a:ext cx="77097" cy="267146"/>
+            </a:xfrm>
+            <a:prstGeom prst="straightConnector1">
+              <a:avLst/>
+            </a:prstGeom>
+            <a:ln>
+              <a:tailEnd type="triangle"/>
+            </a:ln>
+          </p:spPr>
+          <p:style>
+            <a:lnRef idx="2">
+              <a:schemeClr val="dk1"/>
+            </a:lnRef>
+            <a:fillRef idx="0">
+              <a:schemeClr val="dk1"/>
+            </a:fillRef>
+            <a:effectRef idx="1">
+              <a:schemeClr val="dk1"/>
+            </a:effectRef>
+            <a:fontRef idx="minor">
+              <a:schemeClr val="tx1"/>
+            </a:fontRef>
+          </p:style>
+        </p:cxnSp>
+      </p:grpSp>
+      <p:sp>
+        <p:nvSpPr>
+          <p:cNvPr id="17" name="文本框 16"/>
+          <p:cNvSpPr txBox="1"/>
+          <p:nvPr/>
+        </p:nvSpPr>
+        <p:spPr>
+          <a:xfrm>
+            <a:off x="263562" y="3316978"/>
+            <a:ext cx="3970568" cy="1754326"/>
+          </a:xfrm>
+          <a:prstGeom prst="rect">
+            <a:avLst/>
+          </a:prstGeom>
+          <a:noFill/>
+        </p:spPr>
+        <p:txBody>
+          <a:bodyPr wrap="square" rtlCol="0">
+            <a:spAutoFit/>
+          </a:bodyPr>
+          <a:lstStyle/>
+          <a:p>
+            <a:pPr algn="just"/>
+            <a:r>
+              <a:rPr lang="en-US" dirty="0" smtClean="0"/>
+              <a:t>We simulated the routing path from 10.0.1.2 to 10.2.0.3 using the routing algorithm mentioned in the paper.</a:t>
+            </a:r>
+          </a:p>
+          <a:p>
+            <a:pPr algn="just"/>
+            <a:endParaRPr lang="en-US" dirty="0"/>
+          </a:p>
+          <a:p>
+            <a:pPr algn="just"/>
+            <a:r>
+              <a:rPr lang="en-US" dirty="0" smtClean="0"/>
+              <a:t>BY GLH.</a:t>
+            </a:r>
+            <a:endParaRPr lang="en-US" dirty="0"/>
+          </a:p>
+        </p:txBody>
+      </p:sp>
+    </p:spTree>
+    <p:extLst>
+      <p:ext uri="{BB962C8B-B14F-4D97-AF65-F5344CB8AC3E}">
+        <p14:creationId xmlns:p14="http://schemas.microsoft.com/office/powerpoint/2010/main" val="710163963"/>
+      </p:ext>
+    </p:extLst>
+  </p:cSld>
+  <p:clrMapOvr>
+    <a:masterClrMapping/>
+  </p:clrMapOvr>
+</p:sld>
+</file>
+
+<file path=ppt/slides/slide7.xml><?xml version="1.0" encoding="utf-8"?>
+<p:sld xmlns:a="http://schemas.openxmlformats.org/drawingml/2006/main" xmlns:r="http://schemas.openxmlformats.org/officeDocument/2006/relationships" xmlns:p="http://schemas.openxmlformats.org/presentationml/2006/main">
+  <p:cSld>
+    <p:spTree>
+      <p:nvGrpSpPr>
+        <p:cNvPr id="1" name=""/>
+        <p:cNvGrpSpPr/>
+        <p:nvPr/>
+      </p:nvGrpSpPr>
+      <p:grpSpPr>
+        <a:xfrm>
+          <a:off x="0" y="0"/>
+          <a:ext cx="0" cy="0"/>
+          <a:chOff x="0" y="0"/>
+          <a:chExt cx="0" cy="0"/>
+        </a:xfrm>
+      </p:grpSpPr>
+      <p:sp>
+        <p:nvSpPr>
+          <p:cNvPr id="2" name="标题 1"/>
+          <p:cNvSpPr>
+            <a:spLocks noGrp="1"/>
+          </p:cNvSpPr>
+          <p:nvPr>
+            <p:ph type="title"/>
+          </p:nvPr>
+        </p:nvSpPr>
+        <p:spPr/>
+        <p:txBody>
+          <a:bodyPr/>
+          <a:lstStyle/>
+          <a:p>
+            <a:r>
+              <a:rPr lang="en-US" dirty="0" smtClean="0"/>
+              <a:t>Flow Classification</a:t>
+            </a:r>
+            <a:endParaRPr lang="en-US" dirty="0"/>
+          </a:p>
+        </p:txBody>
+      </p:sp>
+      <p:pic>
+        <p:nvPicPr>
+          <p:cNvPr id="4" name="内容占位符 3"/>
+          <p:cNvPicPr>
+            <a:picLocks noGrp="1" noChangeAspect="1"/>
+          </p:cNvPicPr>
+          <p:nvPr>
+            <p:ph idx="1"/>
+          </p:nvPr>
+        </p:nvPicPr>
+        <p:blipFill>
+          <a:blip r:embed="rId2"/>
+          <a:stretch>
+            <a:fillRect/>
+          </a:stretch>
+        </p:blipFill>
+        <p:spPr>
+          <a:xfrm>
+            <a:off x="498474" y="1600200"/>
+            <a:ext cx="3495701" cy="1809763"/>
+          </a:xfrm>
+          <a:prstGeom prst="rect">
+            <a:avLst/>
+          </a:prstGeom>
+        </p:spPr>
+      </p:pic>
+    </p:spTree>
+    <p:extLst>
+      <p:ext uri="{BB962C8B-B14F-4D97-AF65-F5344CB8AC3E}">
+        <p14:creationId xmlns:p14="http://schemas.microsoft.com/office/powerpoint/2010/main" val="3915293230"/>
       </p:ext>
     </p:extLst>
   </p:cSld>

--- a/Presentation/presentation.pptx
+++ b/Presentation/presentation.pptx
@@ -5,7 +5,7 @@
     <p:sldMasterId id="2147483998" r:id="rId1"/>
   </p:sldMasterIdLst>
   <p:notesMasterIdLst>
-    <p:notesMasterId r:id="rId9"/>
+    <p:notesMasterId r:id="rId10"/>
   </p:notesMasterIdLst>
   <p:sldIdLst>
     <p:sldId id="256" r:id="rId2"/>
@@ -15,6 +15,7 @@
     <p:sldId id="260" r:id="rId6"/>
     <p:sldId id="261" r:id="rId7"/>
     <p:sldId id="262" r:id="rId8"/>
+    <p:sldId id="263" r:id="rId9"/>
   </p:sldIdLst>
   <p:sldSz cx="9144000" cy="6858000" type="screen4x3"/>
   <p:notesSz cx="7010400" cy="9296400"/>
@@ -9613,10 +9614,10 @@
         </p:nvGrpSpPr>
         <p:grpSpPr>
           <a:xfrm>
-            <a:off x="4319195" y="2820553"/>
-            <a:ext cx="4424082" cy="2145895"/>
-            <a:chOff x="3334871" y="2820553"/>
-            <a:chExt cx="5408406" cy="2966744"/>
+            <a:off x="4495198" y="2435192"/>
+            <a:ext cx="4213907" cy="2088682"/>
+            <a:chOff x="3334871" y="3179360"/>
+            <a:chExt cx="5408406" cy="2322095"/>
           </a:xfrm>
         </p:grpSpPr>
         <p:pic>
@@ -9627,7 +9628,7 @@
             </p:cNvPicPr>
             <p:nvPr/>
           </p:nvPicPr>
-          <p:blipFill>
+          <p:blipFill rotWithShape="1">
             <a:blip r:embed="rId3" cstate="email">
               <a:extLst>
                 <a:ext uri="{28A0092B-C50C-407E-A947-70E740481C1C}">
@@ -9635,15 +9636,13 @@
                 </a:ext>
               </a:extLst>
             </a:blip>
-            <a:srcRect t="-17332" b="-17332"/>
-            <a:stretch>
-              <a:fillRect/>
-            </a:stretch>
+            <a:srcRect t="-1045" b="-4357"/>
+            <a:stretch/>
           </p:blipFill>
           <p:spPr>
             <a:xfrm>
-              <a:off x="3334871" y="2820553"/>
-              <a:ext cx="5408406" cy="2966744"/>
+              <a:off x="3334871" y="3179360"/>
+              <a:ext cx="5408406" cy="2322095"/>
             </a:xfrm>
             <a:prstGeom prst="rect">
               <a:avLst/>
@@ -9905,21 +9904,82 @@
           <a:p>
             <a:r>
               <a:rPr lang="en-US" dirty="0" smtClean="0"/>
-              <a:t>Flow Classification</a:t>
-            </a:r>
+              <a:t>Flow Classification &amp; Scheduling</a:t>
+            </a:r>
+            <a:endParaRPr lang="en-US" dirty="0"/>
+          </a:p>
+        </p:txBody>
+      </p:sp>
+      <p:sp>
+        <p:nvSpPr>
+          <p:cNvPr id="3" name="文本框 2"/>
+          <p:cNvSpPr txBox="1"/>
+          <p:nvPr/>
+        </p:nvSpPr>
+        <p:spPr>
+          <a:xfrm>
+            <a:off x="4276630" y="2346755"/>
+            <a:ext cx="3806791" cy="2954655"/>
+          </a:xfrm>
+          <a:prstGeom prst="rect">
+            <a:avLst/>
+          </a:prstGeom>
+          <a:noFill/>
+        </p:spPr>
+        <p:txBody>
+          <a:bodyPr wrap="square" rtlCol="0">
+            <a:spAutoFit/>
+          </a:bodyPr>
+          <a:lstStyle/>
+          <a:p>
+            <a:pPr algn="just"/>
+            <a:r>
+              <a:rPr lang="en-US" sz="1400" dirty="0" smtClean="0"/>
+              <a:t>We also ran several simulations on flow classification.</a:t>
+            </a:r>
+          </a:p>
+          <a:p>
+            <a:pPr lvl="0" algn="just" fontAlgn="base"/>
+            <a:r>
+              <a:rPr lang="en-US" sz="1400" dirty="0" smtClean="0"/>
+              <a:t>When there is a new flow coming, we  can run the flow classification algorithm in order to :</a:t>
+            </a:r>
+          </a:p>
+          <a:p>
+            <a:pPr lvl="0" algn="just" fontAlgn="base"/>
+            <a:r>
+              <a:rPr lang="en-US" sz="1400" dirty="0" smtClean="0"/>
+              <a:t>1.Recognize </a:t>
+            </a:r>
+            <a:r>
+              <a:rPr lang="en-US" sz="1400" dirty="0"/>
+              <a:t>subsequent packets of the same flow, and forward them on the same outgoing port.</a:t>
+            </a:r>
+          </a:p>
+          <a:p>
+            <a:pPr lvl="0" algn="just" fontAlgn="base"/>
+            <a:r>
+              <a:rPr lang="en-US" sz="1400" dirty="0" smtClean="0"/>
+              <a:t>2.Periodically </a:t>
+            </a:r>
+            <a:r>
+              <a:rPr lang="en-US" sz="1400" dirty="0"/>
+              <a:t>reassign a minimal number of flow output ports to minimize any disparity between the aggregate flow capacity of different ports.</a:t>
+            </a:r>
+          </a:p>
+          <a:p>
+            <a:pPr algn="just"/>
             <a:endParaRPr lang="en-US" dirty="0"/>
           </a:p>
         </p:txBody>
       </p:sp>
       <p:pic>
         <p:nvPicPr>
-          <p:cNvPr id="4" name="内容占位符 3"/>
+          <p:cNvPr id="5" name="图片 4"/>
           <p:cNvPicPr>
-            <a:picLocks noGrp="1" noChangeAspect="1"/>
+            <a:picLocks noChangeAspect="1"/>
           </p:cNvPicPr>
-          <p:nvPr>
-            <p:ph idx="1"/>
-          </p:nvPr>
+          <p:nvPr/>
         </p:nvPicPr>
         <p:blipFill>
           <a:blip r:embed="rId2"/>
@@ -9929,8 +9989,8 @@
         </p:blipFill>
         <p:spPr>
           <a:xfrm>
-            <a:off x="498474" y="1600200"/>
-            <a:ext cx="3495701" cy="1809763"/>
+            <a:off x="389823" y="2098406"/>
+            <a:ext cx="3886807" cy="3451355"/>
           </a:xfrm>
           <a:prstGeom prst="rect">
             <a:avLst/>
@@ -9941,6 +10001,258 @@
     <p:extLst>
       <p:ext uri="{BB962C8B-B14F-4D97-AF65-F5344CB8AC3E}">
         <p14:creationId xmlns:p14="http://schemas.microsoft.com/office/powerpoint/2010/main" val="3915293230"/>
+      </p:ext>
+    </p:extLst>
+  </p:cSld>
+  <p:clrMapOvr>
+    <a:masterClrMapping/>
+  </p:clrMapOvr>
+</p:sld>
+</file>
+
+<file path=ppt/slides/slide8.xml><?xml version="1.0" encoding="utf-8"?>
+<p:sld xmlns:a="http://schemas.openxmlformats.org/drawingml/2006/main" xmlns:r="http://schemas.openxmlformats.org/officeDocument/2006/relationships" xmlns:p="http://schemas.openxmlformats.org/presentationml/2006/main">
+  <p:cSld>
+    <p:spTree>
+      <p:nvGrpSpPr>
+        <p:cNvPr id="1" name=""/>
+        <p:cNvGrpSpPr/>
+        <p:nvPr/>
+      </p:nvGrpSpPr>
+      <p:grpSpPr>
+        <a:xfrm>
+          <a:off x="0" y="0"/>
+          <a:ext cx="0" cy="0"/>
+          <a:chOff x="0" y="0"/>
+          <a:chExt cx="0" cy="0"/>
+        </a:xfrm>
+      </p:grpSpPr>
+      <p:sp>
+        <p:nvSpPr>
+          <p:cNvPr id="2" name="标题 1"/>
+          <p:cNvSpPr>
+            <a:spLocks noGrp="1"/>
+          </p:cNvSpPr>
+          <p:nvPr>
+            <p:ph type="title"/>
+          </p:nvPr>
+        </p:nvSpPr>
+        <p:spPr/>
+        <p:txBody>
+          <a:bodyPr/>
+          <a:lstStyle/>
+          <a:p>
+            <a:r>
+              <a:rPr lang="en-US" altLang="zh-CN" dirty="0"/>
+              <a:t>Overview</a:t>
+            </a:r>
+            <a:r>
+              <a:rPr lang="zh-CN" altLang="en-US" dirty="0"/>
+              <a:t> </a:t>
+            </a:r>
+            <a:r>
+              <a:rPr lang="en-US" altLang="zh-CN" dirty="0"/>
+              <a:t>of</a:t>
+            </a:r>
+            <a:r>
+              <a:rPr lang="zh-CN" altLang="en-US" dirty="0"/>
+              <a:t> </a:t>
+            </a:r>
+            <a:r>
+              <a:rPr lang="en-US" altLang="zh-CN" dirty="0"/>
+              <a:t>Future</a:t>
+            </a:r>
+            <a:r>
+              <a:rPr lang="zh-CN" altLang="en-US" dirty="0"/>
+              <a:t> </a:t>
+            </a:r>
+            <a:r>
+              <a:rPr lang="en-US" altLang="zh-CN" dirty="0"/>
+              <a:t>Perspectives</a:t>
+            </a:r>
+            <a:endParaRPr lang="en-US" dirty="0"/>
+          </a:p>
+        </p:txBody>
+      </p:sp>
+      <p:sp>
+        <p:nvSpPr>
+          <p:cNvPr id="3" name="内容占位符 2"/>
+          <p:cNvSpPr>
+            <a:spLocks noGrp="1"/>
+          </p:cNvSpPr>
+          <p:nvPr>
+            <p:ph idx="1"/>
+          </p:nvPr>
+        </p:nvSpPr>
+        <p:spPr/>
+        <p:txBody>
+          <a:bodyPr/>
+          <a:lstStyle/>
+          <a:p>
+            <a:pPr lvl="2"/>
+            <a:r>
+              <a:rPr lang="en-US" dirty="0" smtClean="0"/>
+              <a:t>Fat-Tree &amp; VL2: center on switches.</a:t>
+            </a:r>
+          </a:p>
+          <a:p>
+            <a:pPr lvl="2"/>
+            <a:r>
+              <a:rPr lang="en-US" dirty="0" smtClean="0"/>
+              <a:t>New Architectures: </a:t>
+            </a:r>
+            <a:r>
+              <a:rPr lang="en-US" dirty="0" err="1" smtClean="0"/>
+              <a:t>Dcell</a:t>
+            </a:r>
+            <a:r>
+              <a:rPr lang="en-US" dirty="0" smtClean="0"/>
+              <a:t>, </a:t>
+            </a:r>
+            <a:r>
+              <a:rPr lang="en-US" dirty="0" err="1" smtClean="0"/>
+              <a:t>FiConn</a:t>
+            </a:r>
+            <a:r>
+              <a:rPr lang="en-US" dirty="0" smtClean="0"/>
+              <a:t>, </a:t>
+            </a:r>
+            <a:r>
+              <a:rPr lang="en-US" dirty="0" err="1" smtClean="0"/>
+              <a:t>Bcube</a:t>
+            </a:r>
+            <a:r>
+              <a:rPr lang="en-US" dirty="0" smtClean="0"/>
+              <a:t>: center on server.</a:t>
+            </a:r>
+          </a:p>
+          <a:p>
+            <a:pPr lvl="2"/>
+            <a:endParaRPr lang="en-US" dirty="0"/>
+          </a:p>
+          <a:p>
+            <a:pPr lvl="2"/>
+            <a:endParaRPr lang="en-US" dirty="0" smtClean="0"/>
+          </a:p>
+        </p:txBody>
+      </p:sp>
+      <p:sp>
+        <p:nvSpPr>
+          <p:cNvPr id="4" name="矩形 3"/>
+          <p:cNvSpPr/>
+          <p:nvPr/>
+        </p:nvSpPr>
+        <p:spPr>
+          <a:xfrm>
+            <a:off x="498474" y="6397129"/>
+            <a:ext cx="7556313" cy="400110"/>
+          </a:xfrm>
+          <a:prstGeom prst="rect">
+            <a:avLst/>
+          </a:prstGeom>
+        </p:spPr>
+        <p:txBody>
+          <a:bodyPr wrap="square">
+            <a:spAutoFit/>
+          </a:bodyPr>
+          <a:lstStyle/>
+          <a:p>
+            <a:r>
+              <a:rPr lang="en-US" sz="1000" dirty="0" err="1"/>
+              <a:t>Guo</a:t>
+            </a:r>
+            <a:r>
+              <a:rPr lang="en-US" sz="1000" dirty="0"/>
+              <a:t> C, Lu G, Li D, Wu H, Zhang X, Shi Y, Tian C, Zhang Y, Lu S. BCube: A high performance, server-centric network architecture for modular data centers. In: Proc. of the SIGCOMM. 2009. 63-74 .</a:t>
+            </a:r>
+          </a:p>
+        </p:txBody>
+      </p:sp>
+      <p:pic>
+        <p:nvPicPr>
+          <p:cNvPr id="5" name="图片 4"/>
+          <p:cNvPicPr>
+            <a:picLocks noChangeAspect="1"/>
+          </p:cNvPicPr>
+          <p:nvPr/>
+        </p:nvPicPr>
+        <p:blipFill>
+          <a:blip r:embed="rId2"/>
+          <a:stretch>
+            <a:fillRect/>
+          </a:stretch>
+        </p:blipFill>
+        <p:spPr>
+          <a:xfrm>
+            <a:off x="1304930" y="2804201"/>
+            <a:ext cx="5943399" cy="1794117"/>
+          </a:xfrm>
+          <a:prstGeom prst="rect">
+            <a:avLst/>
+          </a:prstGeom>
+        </p:spPr>
+      </p:pic>
+      <p:pic>
+        <p:nvPicPr>
+          <p:cNvPr id="6" name="图片 5"/>
+          <p:cNvPicPr>
+            <a:picLocks noChangeAspect="1"/>
+          </p:cNvPicPr>
+          <p:nvPr/>
+        </p:nvPicPr>
+        <p:blipFill>
+          <a:blip r:embed="rId3"/>
+          <a:stretch>
+            <a:fillRect/>
+          </a:stretch>
+        </p:blipFill>
+        <p:spPr>
+          <a:xfrm>
+            <a:off x="1304930" y="4699690"/>
+            <a:ext cx="2189396" cy="1697439"/>
+          </a:xfrm>
+          <a:prstGeom prst="rect">
+            <a:avLst/>
+          </a:prstGeom>
+        </p:spPr>
+      </p:pic>
+      <p:sp>
+        <p:nvSpPr>
+          <p:cNvPr id="7" name="文本框 6"/>
+          <p:cNvSpPr txBox="1"/>
+          <p:nvPr/>
+        </p:nvSpPr>
+        <p:spPr>
+          <a:xfrm>
+            <a:off x="3604660" y="6221282"/>
+            <a:ext cx="4177365" cy="261610"/>
+          </a:xfrm>
+          <a:prstGeom prst="rect">
+            <a:avLst/>
+          </a:prstGeom>
+          <a:noFill/>
+        </p:spPr>
+        <p:txBody>
+          <a:bodyPr wrap="square" rtlCol="0">
+            <a:spAutoFit/>
+          </a:bodyPr>
+          <a:lstStyle/>
+          <a:p>
+            <a:r>
+              <a:rPr lang="en-US" sz="1100" dirty="0" smtClean="0"/>
+              <a:t>Image Source: </a:t>
+            </a:r>
+            <a:r>
+              <a:rPr lang="en-US" sz="1100" dirty="0"/>
+              <a:t>http://www.jos.org.cn/html/2014/6/4444.htm</a:t>
+            </a:r>
+          </a:p>
+        </p:txBody>
+      </p:sp>
+    </p:spTree>
+    <p:extLst>
+      <p:ext uri="{BB962C8B-B14F-4D97-AF65-F5344CB8AC3E}">
+        <p14:creationId xmlns:p14="http://schemas.microsoft.com/office/powerpoint/2010/main" val="2681245345"/>
       </p:ext>
     </p:extLst>
   </p:cSld>

--- a/Presentation/presentation.pptx
+++ b/Presentation/presentation.pptx
@@ -1,21 +1,21 @@
 
 <file path=ppt/presentation.xml><?xml version="1.0" encoding="utf-8"?>
-<p:presentation xmlns:a="http://schemas.openxmlformats.org/drawingml/2006/main" xmlns:r="http://schemas.openxmlformats.org/officeDocument/2006/relationships" xmlns:p="http://schemas.openxmlformats.org/presentationml/2006/main" saveSubsetFonts="1">
+<p:presentation xmlns:a="http://schemas.openxmlformats.org/drawingml/2006/main" xmlns:r="http://schemas.openxmlformats.org/officeDocument/2006/relationships" xmlns:p="http://schemas.openxmlformats.org/presentationml/2006/main">
   <p:sldMasterIdLst>
-    <p:sldMasterId id="2147483998" r:id="rId1"/>
+    <p:sldMasterId id="2147483648" r:id="rId1"/>
   </p:sldMasterIdLst>
   <p:notesMasterIdLst>
-    <p:notesMasterId r:id="rId10"/>
+    <p:notesMasterId r:id="rId11"/>
   </p:notesMasterIdLst>
   <p:sldIdLst>
-    <p:sldId id="256" r:id="rId2"/>
-    <p:sldId id="257" r:id="rId3"/>
-    <p:sldId id="258" r:id="rId4"/>
-    <p:sldId id="259" r:id="rId5"/>
-    <p:sldId id="260" r:id="rId6"/>
-    <p:sldId id="261" r:id="rId7"/>
-    <p:sldId id="262" r:id="rId8"/>
-    <p:sldId id="263" r:id="rId9"/>
+    <p:sldId id="256" r:id="rId3"/>
+    <p:sldId id="257" r:id="rId4"/>
+    <p:sldId id="258" r:id="rId5"/>
+    <p:sldId id="259" r:id="rId6"/>
+    <p:sldId id="264" r:id="rId7"/>
+    <p:sldId id="265" r:id="rId8"/>
+    <p:sldId id="262" r:id="rId9"/>
+    <p:sldId id="263" r:id="rId10"/>
   </p:sldIdLst>
   <p:sldSz cx="9144000" cy="6858000" type="screen4x3"/>
   <p:notesSz cx="7010400" cy="9296400"/>
@@ -114,22 +114,6 @@
       </a:defRPr>
     </a:lvl9pPr>
   </p:defaultTextStyle>
-  <p:extLst>
-    <p:ext uri="{EFAFB233-063F-42B5-8137-9DF3F51BA10A}">
-      <p15:sldGuideLst xmlns:p15="http://schemas.microsoft.com/office/powerpoint/2012/main">
-        <p15:guide id="1" orient="horz" pos="2160">
-          <p15:clr>
-            <a:srgbClr val="A4A3A4"/>
-          </p15:clr>
-        </p15:guide>
-        <p15:guide id="2" pos="2880">
-          <p15:clr>
-            <a:srgbClr val="A4A3A4"/>
-          </p15:clr>
-        </p15:guide>
-      </p15:sldGuideLst>
-    </p:ext>
-  </p:extLst>
 </p:presentation>
 </file>
 
@@ -221,7 +205,6 @@
           <a:p>
             <a:fld id="{9EC04C0B-C3F3-154E-937E-9CF7C163CE16}" type="datetimeFigureOut">
               <a:rPr lang="en-US" smtClean="0"/>
-              <a:t>4/18/2017</a:t>
             </a:fld>
             <a:endParaRPr lang="en-US"/>
           </a:p>
@@ -288,6 +271,7 @@
               <a:rPr lang="en-US" altLang="zh-CN" smtClean="0"/>
               <a:t>Click to edit Master text styles</a:t>
             </a:r>
+            <a:endParaRPr lang="en-US" altLang="zh-CN" smtClean="0"/>
           </a:p>
           <a:p>
             <a:pPr lvl="1"/>
@@ -295,6 +279,7 @@
               <a:rPr lang="en-US" altLang="zh-CN" smtClean="0"/>
               <a:t>Second level</a:t>
             </a:r>
+            <a:endParaRPr lang="en-US" altLang="zh-CN" smtClean="0"/>
           </a:p>
           <a:p>
             <a:pPr lvl="2"/>
@@ -302,6 +287,7 @@
               <a:rPr lang="en-US" altLang="zh-CN" smtClean="0"/>
               <a:t>Third level</a:t>
             </a:r>
+            <a:endParaRPr lang="en-US" altLang="zh-CN" smtClean="0"/>
           </a:p>
           <a:p>
             <a:pPr lvl="3"/>
@@ -309,6 +295,7 @@
               <a:rPr lang="en-US" altLang="zh-CN" smtClean="0"/>
               <a:t>Fourth level</a:t>
             </a:r>
+            <a:endParaRPr lang="en-US" altLang="zh-CN" smtClean="0"/>
           </a:p>
           <a:p>
             <a:pPr lvl="4"/>
@@ -380,18 +367,12 @@
           <a:p>
             <a:fld id="{701AE4F9-6DFE-034C-9BBD-11E591247953}" type="slidenum">
               <a:rPr lang="en-US" smtClean="0"/>
-              <a:t>‹#›</a:t>
             </a:fld>
             <a:endParaRPr lang="en-US"/>
           </a:p>
         </p:txBody>
       </p:sp>
     </p:spTree>
-    <p:extLst>
-      <p:ext uri="{BB962C8B-B14F-4D97-AF65-F5344CB8AC3E}">
-        <p14:creationId xmlns:p14="http://schemas.microsoft.com/office/powerpoint/2010/main" val="3296756460"/>
-      </p:ext>
-    </p:extLst>
   </p:cSld>
   <p:clrMap bg1="lt1" tx1="dk1" bg2="lt2" tx2="dk2" accent1="accent1" accent2="accent2" accent3="accent3" accent4="accent4" accent5="accent5" accent6="accent6" hlink="hlink" folHlink="folHlink"/>
   <p:notesStyle>
@@ -536,7 +517,7 @@
               <a:rPr lang="en-US" altLang="zh-CN" smtClean="0"/>
               <a:t>Click to edit Master title style</a:t>
             </a:r>
-            <a:endParaRPr/>
+            <a:endParaRPr lang="en-US" altLang="zh-CN" smtClean="0"/>
           </a:p>
         </p:txBody>
       </p:sp>
@@ -660,7 +641,7 @@
               <a:rPr lang="en-US" altLang="zh-CN" smtClean="0"/>
               <a:t>Click to edit Master subtitle style</a:t>
             </a:r>
-            <a:endParaRPr/>
+            <a:endParaRPr lang="en-US" altLang="zh-CN" smtClean="0"/>
           </a:p>
         </p:txBody>
       </p:sp>
@@ -690,8 +671,6 @@
           <a:p>
             <a:fld id="{04AF466F-BDA4-4F18-9C7B-FF0A9A1B0E80}" type="datetime1">
               <a:rPr lang="en-US" smtClean="0"/>
-              <a:pPr/>
-              <a:t>4/18/2017</a:t>
             </a:fld>
             <a:endParaRPr lang="en-US"/>
           </a:p>
@@ -767,7 +746,6 @@
           <a:lstStyle/>
           <a:p>
             <a:pPr algn="ctr"/>
-            <a:endParaRPr/>
           </a:p>
         </p:txBody>
       </p:sp>
@@ -813,7 +791,6 @@
           <a:lstStyle/>
           <a:p>
             <a:pPr algn="ctr"/>
-            <a:endParaRPr/>
           </a:p>
         </p:txBody>
       </p:sp>
@@ -903,6 +880,14 @@
               </a:rPr>
               <a:t>+</a:t>
             </a:r>
+            <a:endParaRPr sz="5400" b="1">
+              <a:solidFill>
+                <a:schemeClr val="accent1">
+                  <a:lumMod val="60000"/>
+                  <a:lumOff val="40000"/>
+                </a:schemeClr>
+              </a:solidFill>
+            </a:endParaRPr>
           </a:p>
         </p:txBody>
       </p:sp>
@@ -948,7 +933,6 @@
           <a:lstStyle/>
           <a:p>
             <a:pPr algn="ctr"/>
-            <a:endParaRPr/>
           </a:p>
         </p:txBody>
       </p:sp>
@@ -994,7 +978,6 @@
           <a:lstStyle/>
           <a:p>
             <a:pPr algn="ctr"/>
-            <a:endParaRPr/>
           </a:p>
         </p:txBody>
       </p:sp>
@@ -1065,7 +1048,6 @@
           <a:lstStyle/>
           <a:p>
             <a:pPr algn="ctr"/>
-            <a:endParaRPr/>
           </a:p>
         </p:txBody>
       </p:sp>
@@ -1102,6 +1084,14 @@
               </a:rPr>
               <a:t>+</a:t>
             </a:r>
+            <a:endParaRPr sz="3600" b="1">
+              <a:solidFill>
+                <a:schemeClr val="accent1">
+                  <a:lumMod val="60000"/>
+                  <a:lumOff val="40000"/>
+                </a:schemeClr>
+              </a:solidFill>
+            </a:endParaRPr>
           </a:p>
         </p:txBody>
       </p:sp>
@@ -1124,7 +1114,7 @@
               <a:rPr lang="en-US" altLang="zh-CN" smtClean="0"/>
               <a:t>Click to edit Master title style</a:t>
             </a:r>
-            <a:endParaRPr/>
+            <a:endParaRPr lang="en-US" altLang="zh-CN" smtClean="0"/>
           </a:p>
         </p:txBody>
       </p:sp>
@@ -1145,8 +1135,6 @@
           <a:p>
             <a:fld id="{327B613C-1AD7-49D3-885D-F654C5CDBAA6}" type="datetime1">
               <a:rPr lang="en-US" smtClean="0"/>
-              <a:pPr/>
-              <a:t>4/18/2017</a:t>
             </a:fld>
             <a:endParaRPr lang="en-US" dirty="0"/>
           </a:p>
@@ -1188,8 +1176,6 @@
           <a:p>
             <a:fld id="{6E2D2B3B-882E-40F3-A32F-6DD516915044}" type="slidenum">
               <a:rPr lang="en-US" smtClean="0"/>
-              <a:pPr/>
-              <a:t>‹#›</a:t>
             </a:fld>
             <a:endParaRPr lang="en-US" dirty="0"/>
           </a:p>
@@ -1250,6 +1236,7 @@
               <a:rPr lang="en-US" altLang="zh-CN" smtClean="0"/>
               <a:t>Click to edit Master text styles</a:t>
             </a:r>
+            <a:endParaRPr lang="en-US" altLang="zh-CN" smtClean="0"/>
           </a:p>
           <a:p>
             <a:pPr lvl="1"/>
@@ -1257,6 +1244,7 @@
               <a:rPr lang="en-US" altLang="zh-CN" smtClean="0"/>
               <a:t>Second level</a:t>
             </a:r>
+            <a:endParaRPr lang="en-US" altLang="zh-CN" smtClean="0"/>
           </a:p>
           <a:p>
             <a:pPr lvl="2"/>
@@ -1264,6 +1252,7 @@
               <a:rPr lang="en-US" altLang="zh-CN" smtClean="0"/>
               <a:t>Third level</a:t>
             </a:r>
+            <a:endParaRPr lang="en-US" altLang="zh-CN" smtClean="0"/>
           </a:p>
           <a:p>
             <a:pPr lvl="3"/>
@@ -1271,6 +1260,7 @@
               <a:rPr lang="en-US" altLang="zh-CN" smtClean="0"/>
               <a:t>Fourth level</a:t>
             </a:r>
+            <a:endParaRPr lang="en-US" altLang="zh-CN" smtClean="0"/>
           </a:p>
           <a:p>
             <a:pPr lvl="4"/>
@@ -1337,6 +1327,7 @@
               <a:rPr lang="en-US" altLang="zh-CN" smtClean="0"/>
               <a:t>Click to edit Master text styles</a:t>
             </a:r>
+            <a:endParaRPr lang="en-US" altLang="zh-CN" smtClean="0"/>
           </a:p>
           <a:p>
             <a:pPr lvl="1"/>
@@ -1344,6 +1335,7 @@
               <a:rPr lang="en-US" altLang="zh-CN" smtClean="0"/>
               <a:t>Second level</a:t>
             </a:r>
+            <a:endParaRPr lang="en-US" altLang="zh-CN" smtClean="0"/>
           </a:p>
           <a:p>
             <a:pPr lvl="2"/>
@@ -1351,6 +1343,7 @@
               <a:rPr lang="en-US" altLang="zh-CN" smtClean="0"/>
               <a:t>Third level</a:t>
             </a:r>
+            <a:endParaRPr lang="en-US" altLang="zh-CN" smtClean="0"/>
           </a:p>
           <a:p>
             <a:pPr lvl="3"/>
@@ -1358,6 +1351,7 @@
               <a:rPr lang="en-US" altLang="zh-CN" smtClean="0"/>
               <a:t>Fourth level</a:t>
             </a:r>
+            <a:endParaRPr lang="en-US" altLang="zh-CN" smtClean="0"/>
           </a:p>
           <a:p>
             <a:pPr lvl="4"/>
@@ -1424,6 +1418,7 @@
               <a:rPr lang="en-US" altLang="zh-CN" smtClean="0"/>
               <a:t>Click to edit Master text styles</a:t>
             </a:r>
+            <a:endParaRPr lang="en-US" altLang="zh-CN" smtClean="0"/>
           </a:p>
           <a:p>
             <a:pPr lvl="1"/>
@@ -1431,6 +1426,7 @@
               <a:rPr lang="en-US" altLang="zh-CN" smtClean="0"/>
               <a:t>Second level</a:t>
             </a:r>
+            <a:endParaRPr lang="en-US" altLang="zh-CN" smtClean="0"/>
           </a:p>
           <a:p>
             <a:pPr lvl="2"/>
@@ -1438,6 +1434,7 @@
               <a:rPr lang="en-US" altLang="zh-CN" smtClean="0"/>
               <a:t>Third level</a:t>
             </a:r>
+            <a:endParaRPr lang="en-US" altLang="zh-CN" smtClean="0"/>
           </a:p>
           <a:p>
             <a:pPr lvl="3"/>
@@ -1445,6 +1442,7 @@
               <a:rPr lang="en-US" altLang="zh-CN" smtClean="0"/>
               <a:t>Fourth level</a:t>
             </a:r>
+            <a:endParaRPr lang="en-US" altLang="zh-CN" smtClean="0"/>
           </a:p>
           <a:p>
             <a:pPr lvl="4"/>
@@ -1511,6 +1509,7 @@
               <a:rPr lang="en-US" altLang="zh-CN" smtClean="0"/>
               <a:t>Click to edit Master text styles</a:t>
             </a:r>
+            <a:endParaRPr lang="en-US" altLang="zh-CN" smtClean="0"/>
           </a:p>
           <a:p>
             <a:pPr lvl="1"/>
@@ -1518,6 +1517,7 @@
               <a:rPr lang="en-US" altLang="zh-CN" smtClean="0"/>
               <a:t>Second level</a:t>
             </a:r>
+            <a:endParaRPr lang="en-US" altLang="zh-CN" smtClean="0"/>
           </a:p>
           <a:p>
             <a:pPr lvl="2"/>
@@ -1525,6 +1525,7 @@
               <a:rPr lang="en-US" altLang="zh-CN" smtClean="0"/>
               <a:t>Third level</a:t>
             </a:r>
+            <a:endParaRPr lang="en-US" altLang="zh-CN" smtClean="0"/>
           </a:p>
           <a:p>
             <a:pPr lvl="3"/>
@@ -1532,6 +1533,7 @@
               <a:rPr lang="en-US" altLang="zh-CN" smtClean="0"/>
               <a:t>Fourth level</a:t>
             </a:r>
+            <a:endParaRPr lang="en-US" altLang="zh-CN" smtClean="0"/>
           </a:p>
           <a:p>
             <a:pPr lvl="4"/>
@@ -1611,7 +1613,6 @@
           <a:lstStyle/>
           <a:p>
             <a:pPr algn="ctr"/>
-            <a:endParaRPr/>
           </a:p>
         </p:txBody>
       </p:sp>
@@ -1648,6 +1649,14 @@
               </a:rPr>
               <a:t>+</a:t>
             </a:r>
+            <a:endParaRPr sz="3600" b="1">
+              <a:solidFill>
+                <a:schemeClr val="accent1">
+                  <a:lumMod val="60000"/>
+                  <a:lumOff val="40000"/>
+                </a:schemeClr>
+              </a:solidFill>
+            </a:endParaRPr>
           </a:p>
         </p:txBody>
       </p:sp>
@@ -1670,7 +1679,7 @@
               <a:rPr lang="en-US" altLang="zh-CN" smtClean="0"/>
               <a:t>Click to edit Master title style</a:t>
             </a:r>
-            <a:endParaRPr/>
+            <a:endParaRPr lang="en-US" altLang="zh-CN" smtClean="0"/>
           </a:p>
         </p:txBody>
       </p:sp>
@@ -1691,8 +1700,6 @@
           <a:p>
             <a:fld id="{02B28685-4D0C-42D5-8013-B5904CD1FCBC}" type="datetime1">
               <a:rPr lang="en-US" smtClean="0"/>
-              <a:pPr/>
-              <a:t>4/18/2017</a:t>
             </a:fld>
             <a:endParaRPr lang="en-US"/>
           </a:p>
@@ -1734,8 +1741,6 @@
           <a:p>
             <a:fld id="{6E2D2B3B-882E-40F3-A32F-6DD516915044}" type="slidenum">
               <a:rPr lang="en-US" smtClean="0"/>
-              <a:pPr/>
-              <a:t>‹#›</a:t>
             </a:fld>
             <a:endParaRPr lang="en-US"/>
           </a:p>
@@ -1808,7 +1813,6 @@
           <a:lstStyle/>
           <a:p>
             <a:pPr algn="ctr"/>
-            <a:endParaRPr/>
           </a:p>
         </p:txBody>
       </p:sp>
@@ -1829,8 +1833,6 @@
           <a:p>
             <a:fld id="{FDF226C0-9885-4BA9-BBFA-A52CBFEBB775}" type="datetime1">
               <a:rPr lang="en-US" smtClean="0"/>
-              <a:pPr/>
-              <a:t>4/18/2017</a:t>
             </a:fld>
             <a:endParaRPr lang="en-US"/>
           </a:p>
@@ -1872,8 +1874,6 @@
           <a:p>
             <a:fld id="{6E2D2B3B-882E-40F3-A32F-6DD516915044}" type="slidenum">
               <a:rPr lang="en-US" smtClean="0"/>
-              <a:pPr/>
-              <a:t>‹#›</a:t>
             </a:fld>
             <a:endParaRPr lang="en-US"/>
           </a:p>
@@ -1946,7 +1946,6 @@
           <a:lstStyle/>
           <a:p>
             <a:pPr algn="ctr"/>
-            <a:endParaRPr/>
           </a:p>
         </p:txBody>
       </p:sp>
@@ -2043,6 +2042,7 @@
               <a:rPr lang="en-US" altLang="zh-CN" smtClean="0"/>
               <a:t>Click to edit Master text styles</a:t>
             </a:r>
+            <a:endParaRPr lang="en-US" altLang="zh-CN" smtClean="0"/>
           </a:p>
           <a:p>
             <a:pPr lvl="1"/>
@@ -2050,6 +2050,7 @@
               <a:rPr lang="en-US" altLang="zh-CN" smtClean="0"/>
               <a:t>Second level</a:t>
             </a:r>
+            <a:endParaRPr lang="en-US" altLang="zh-CN" smtClean="0"/>
           </a:p>
           <a:p>
             <a:pPr lvl="2"/>
@@ -2057,6 +2058,7 @@
               <a:rPr lang="en-US" altLang="zh-CN" smtClean="0"/>
               <a:t>Third level</a:t>
             </a:r>
+            <a:endParaRPr lang="en-US" altLang="zh-CN" smtClean="0"/>
           </a:p>
           <a:p>
             <a:pPr lvl="3"/>
@@ -2064,6 +2066,7 @@
               <a:rPr lang="en-US" altLang="zh-CN" smtClean="0"/>
               <a:t>Fourth level</a:t>
             </a:r>
+            <a:endParaRPr lang="en-US" altLang="zh-CN" smtClean="0"/>
           </a:p>
           <a:p>
             <a:pPr lvl="4"/>
@@ -2144,6 +2147,7 @@
               <a:rPr lang="en-US" altLang="zh-CN" smtClean="0"/>
               <a:t>Click to edit Master text styles</a:t>
             </a:r>
+            <a:endParaRPr lang="en-US" altLang="zh-CN" smtClean="0"/>
           </a:p>
         </p:txBody>
       </p:sp>
@@ -2169,8 +2173,6 @@
           <a:p>
             <a:fld id="{EBEE1B38-C5EB-4D66-9137-0AFE9CDEDE8F}" type="datetime1">
               <a:rPr lang="en-US" smtClean="0"/>
-              <a:pPr/>
-              <a:t>4/18/2017</a:t>
             </a:fld>
             <a:endParaRPr lang="en-US"/>
           </a:p>
@@ -2233,6 +2235,14 @@
               </a:rPr>
               <a:t>+</a:t>
             </a:r>
+            <a:endParaRPr sz="5400" b="1">
+              <a:solidFill>
+                <a:schemeClr val="accent1">
+                  <a:lumMod val="60000"/>
+                  <a:lumOff val="40000"/>
+                </a:schemeClr>
+              </a:solidFill>
+            </a:endParaRPr>
           </a:p>
         </p:txBody>
       </p:sp>
@@ -2303,7 +2313,6 @@
           <a:lstStyle/>
           <a:p>
             <a:pPr algn="ctr"/>
-            <a:endParaRPr/>
           </a:p>
         </p:txBody>
       </p:sp>
@@ -2337,7 +2346,7 @@
               <a:rPr lang="en-US" altLang="zh-CN" smtClean="0"/>
               <a:t>Click to edit Master title style</a:t>
             </a:r>
-            <a:endParaRPr/>
+            <a:endParaRPr lang="en-US" altLang="zh-CN" smtClean="0"/>
           </a:p>
         </p:txBody>
       </p:sp>
@@ -2348,7 +2357,7 @@
             <a:spLocks noGrp="1"/>
           </p:cNvSpPr>
           <p:nvPr>
-            <p:ph type="pic" idx="1"/>
+            <p:ph type="pic" idx="1" hasCustomPrompt="1"/>
           </p:nvPr>
         </p:nvSpPr>
         <p:spPr>
@@ -2402,7 +2411,7 @@
               <a:rPr lang="en-US" altLang="zh-CN" smtClean="0"/>
               <a:t>Drag picture to placeholder or click icon to add</a:t>
             </a:r>
-            <a:endParaRPr/>
+            <a:endParaRPr lang="en-US" altLang="zh-CN" smtClean="0"/>
           </a:p>
         </p:txBody>
       </p:sp>
@@ -2471,6 +2480,7 @@
               <a:rPr lang="en-US" altLang="zh-CN" smtClean="0"/>
               <a:t>Click to edit Master text styles</a:t>
             </a:r>
+            <a:endParaRPr lang="en-US" altLang="zh-CN" smtClean="0"/>
           </a:p>
         </p:txBody>
       </p:sp>
@@ -2496,8 +2506,6 @@
           <a:p>
             <a:fld id="{327B613C-1AD7-49D3-885D-F654C5CDBAA6}" type="datetime1">
               <a:rPr lang="en-US" smtClean="0"/>
-              <a:pPr/>
-              <a:t>4/18/2017</a:t>
             </a:fld>
             <a:endParaRPr lang="en-US" dirty="0"/>
           </a:p>
@@ -2544,8 +2552,6 @@
           <a:p>
             <a:fld id="{6E2D2B3B-882E-40F3-A32F-6DD516915044}" type="slidenum">
               <a:rPr lang="en-US" smtClean="0"/>
-              <a:pPr/>
-              <a:t>‹#›</a:t>
             </a:fld>
             <a:endParaRPr lang="en-US" dirty="0"/>
           </a:p>
@@ -2584,6 +2590,14 @@
               </a:rPr>
               <a:t>+ </a:t>
             </a:r>
+            <a:endParaRPr sz="2400" b="1" baseline="0">
+              <a:solidFill>
+                <a:schemeClr val="accent1">
+                  <a:lumMod val="60000"/>
+                  <a:lumOff val="40000"/>
+                </a:schemeClr>
+              </a:solidFill>
+            </a:endParaRPr>
           </a:p>
         </p:txBody>
       </p:sp>
@@ -2642,7 +2656,7 @@
               <a:rPr lang="en-US" altLang="zh-CN" smtClean="0"/>
               <a:t>Click to edit Master title style</a:t>
             </a:r>
-            <a:endParaRPr/>
+            <a:endParaRPr lang="en-US" altLang="zh-CN" smtClean="0"/>
           </a:p>
         </p:txBody>
       </p:sp>
@@ -2653,7 +2667,7 @@
             <a:spLocks noGrp="1"/>
           </p:cNvSpPr>
           <p:nvPr>
-            <p:ph type="pic" idx="1"/>
+            <p:ph type="pic" idx="1" hasCustomPrompt="1"/>
           </p:nvPr>
         </p:nvSpPr>
         <p:spPr>
@@ -2707,7 +2721,7 @@
               <a:rPr lang="en-US" altLang="zh-CN" smtClean="0"/>
               <a:t>Drag picture to placeholder or click icon to add</a:t>
             </a:r>
-            <a:endParaRPr/>
+            <a:endParaRPr lang="en-US" altLang="zh-CN" smtClean="0"/>
           </a:p>
         </p:txBody>
       </p:sp>
@@ -2776,6 +2790,7 @@
               <a:rPr lang="en-US" altLang="zh-CN" smtClean="0"/>
               <a:t>Click to edit Master text styles</a:t>
             </a:r>
+            <a:endParaRPr lang="en-US" altLang="zh-CN" smtClean="0"/>
           </a:p>
         </p:txBody>
       </p:sp>
@@ -2796,8 +2811,6 @@
           <a:p>
             <a:fld id="{327B613C-1AD7-49D3-885D-F654C5CDBAA6}" type="datetime1">
               <a:rPr lang="en-US" smtClean="0"/>
-              <a:pPr/>
-              <a:t>4/18/2017</a:t>
             </a:fld>
             <a:endParaRPr lang="en-US" dirty="0"/>
           </a:p>
@@ -2839,8 +2852,6 @@
           <a:p>
             <a:fld id="{6E2D2B3B-882E-40F3-A32F-6DD516915044}" type="slidenum">
               <a:rPr lang="en-US" smtClean="0"/>
-              <a:pPr/>
-              <a:t>‹#›</a:t>
             </a:fld>
             <a:endParaRPr lang="en-US" dirty="0"/>
           </a:p>
@@ -2888,7 +2899,6 @@
           <a:lstStyle/>
           <a:p>
             <a:pPr algn="ctr"/>
-            <a:endParaRPr/>
           </a:p>
         </p:txBody>
       </p:sp>
@@ -2934,7 +2944,6 @@
           <a:lstStyle/>
           <a:p>
             <a:pPr algn="ctr"/>
-            <a:endParaRPr/>
           </a:p>
         </p:txBody>
       </p:sp>
@@ -2971,6 +2980,14 @@
               </a:rPr>
               <a:t>+ </a:t>
             </a:r>
+            <a:endParaRPr sz="2400" b="1" baseline="0">
+              <a:solidFill>
+                <a:schemeClr val="accent1">
+                  <a:lumMod val="60000"/>
+                  <a:lumOff val="40000"/>
+                </a:schemeClr>
+              </a:solidFill>
+            </a:endParaRPr>
           </a:p>
         </p:txBody>
       </p:sp>
@@ -3042,7 +3059,6 @@
           <a:lstStyle/>
           <a:p>
             <a:pPr algn="ctr"/>
-            <a:endParaRPr/>
           </a:p>
         </p:txBody>
       </p:sp>
@@ -3080,7 +3096,7 @@
               <a:rPr lang="en-US" altLang="zh-CN" smtClean="0"/>
               <a:t>Click to edit Master title style</a:t>
             </a:r>
-            <a:endParaRPr/>
+            <a:endParaRPr lang="en-US" altLang="zh-CN" smtClean="0"/>
           </a:p>
         </p:txBody>
       </p:sp>
@@ -3153,6 +3169,7 @@
               <a:rPr lang="en-US" altLang="zh-CN" smtClean="0"/>
               <a:t>Click to edit Master text styles</a:t>
             </a:r>
+            <a:endParaRPr lang="en-US" altLang="zh-CN" smtClean="0"/>
           </a:p>
         </p:txBody>
       </p:sp>
@@ -3186,8 +3203,6 @@
           <a:p>
             <a:fld id="{327B613C-1AD7-49D3-885D-F654C5CDBAA6}" type="datetime1">
               <a:rPr lang="en-US" smtClean="0"/>
-              <a:pPr/>
-              <a:t>4/18/2017</a:t>
             </a:fld>
             <a:endParaRPr lang="en-US" dirty="0"/>
           </a:p>
@@ -3242,8 +3257,6 @@
           <a:p>
             <a:fld id="{6E2D2B3B-882E-40F3-A32F-6DD516915044}" type="slidenum">
               <a:rPr lang="en-US" smtClean="0"/>
-              <a:pPr/>
-              <a:t>‹#›</a:t>
             </a:fld>
             <a:endParaRPr lang="en-US" dirty="0"/>
           </a:p>
@@ -3282,6 +3295,14 @@
               </a:rPr>
               <a:t>+</a:t>
             </a:r>
+            <a:endParaRPr sz="5400" b="1">
+              <a:solidFill>
+                <a:schemeClr val="accent1">
+                  <a:lumMod val="60000"/>
+                  <a:lumOff val="40000"/>
+                </a:schemeClr>
+              </a:solidFill>
+            </a:endParaRPr>
           </a:p>
         </p:txBody>
       </p:sp>
@@ -3327,7 +3348,6 @@
           <a:lstStyle/>
           <a:p>
             <a:pPr algn="ctr"/>
-            <a:endParaRPr/>
           </a:p>
         </p:txBody>
       </p:sp>
@@ -3338,7 +3358,7 @@
             <a:spLocks noGrp="1"/>
           </p:cNvSpPr>
           <p:nvPr>
-            <p:ph type="pic" sz="quarter" idx="13"/>
+            <p:ph type="pic" sz="quarter" idx="13" hasCustomPrompt="1"/>
           </p:nvPr>
         </p:nvSpPr>
         <p:spPr>
@@ -3360,7 +3380,7 @@
               <a:rPr lang="en-US" altLang="zh-CN" smtClean="0"/>
               <a:t>Drag picture to placeholder or click icon to add</a:t>
             </a:r>
-            <a:endParaRPr/>
+            <a:endParaRPr lang="en-US" altLang="zh-CN" smtClean="0"/>
           </a:p>
         </p:txBody>
       </p:sp>
@@ -3371,7 +3391,7 @@
             <a:spLocks noGrp="1"/>
           </p:cNvSpPr>
           <p:nvPr>
-            <p:ph type="pic" sz="quarter" idx="14"/>
+            <p:ph type="pic" sz="quarter" idx="14" hasCustomPrompt="1"/>
           </p:nvPr>
         </p:nvSpPr>
         <p:spPr>
@@ -3393,7 +3413,7 @@
               <a:rPr lang="en-US" altLang="zh-CN" smtClean="0"/>
               <a:t>Drag picture to placeholder or click icon to add</a:t>
             </a:r>
-            <a:endParaRPr/>
+            <a:endParaRPr lang="en-US" altLang="zh-CN" smtClean="0"/>
           </a:p>
         </p:txBody>
       </p:sp>
@@ -3465,7 +3485,6 @@
           <a:lstStyle/>
           <a:p>
             <a:pPr algn="ctr"/>
-            <a:endParaRPr/>
           </a:p>
         </p:txBody>
       </p:sp>
@@ -3503,7 +3522,7 @@
               <a:rPr lang="en-US" altLang="zh-CN" smtClean="0"/>
               <a:t>Click to edit Master title style</a:t>
             </a:r>
-            <a:endParaRPr/>
+            <a:endParaRPr lang="en-US" altLang="zh-CN" smtClean="0"/>
           </a:p>
         </p:txBody>
       </p:sp>
@@ -3576,6 +3595,7 @@
               <a:rPr lang="en-US" altLang="zh-CN" smtClean="0"/>
               <a:t>Click to edit Master text styles</a:t>
             </a:r>
+            <a:endParaRPr lang="en-US" altLang="zh-CN" smtClean="0"/>
           </a:p>
         </p:txBody>
       </p:sp>
@@ -3609,8 +3629,6 @@
           <a:p>
             <a:fld id="{327B613C-1AD7-49D3-885D-F654C5CDBAA6}" type="datetime1">
               <a:rPr lang="en-US" smtClean="0"/>
-              <a:pPr/>
-              <a:t>4/18/2017</a:t>
             </a:fld>
             <a:endParaRPr lang="en-US" dirty="0"/>
           </a:p>
@@ -3665,8 +3683,6 @@
           <a:p>
             <a:fld id="{6E2D2B3B-882E-40F3-A32F-6DD516915044}" type="slidenum">
               <a:rPr lang="en-US" smtClean="0"/>
-              <a:pPr/>
-              <a:t>‹#›</a:t>
             </a:fld>
             <a:endParaRPr lang="en-US" dirty="0"/>
           </a:p>
@@ -3705,6 +3721,14 @@
               </a:rPr>
               <a:t>+</a:t>
             </a:r>
+            <a:endParaRPr sz="5400" b="1">
+              <a:solidFill>
+                <a:schemeClr val="accent1">
+                  <a:lumMod val="60000"/>
+                  <a:lumOff val="40000"/>
+                </a:schemeClr>
+              </a:solidFill>
+            </a:endParaRPr>
           </a:p>
         </p:txBody>
       </p:sp>
@@ -3750,7 +3774,6 @@
           <a:lstStyle/>
           <a:p>
             <a:pPr algn="ctr"/>
-            <a:endParaRPr/>
           </a:p>
         </p:txBody>
       </p:sp>
@@ -3796,7 +3819,6 @@
           <a:lstStyle/>
           <a:p>
             <a:pPr algn="ctr"/>
-            <a:endParaRPr/>
           </a:p>
         </p:txBody>
       </p:sp>
@@ -3807,7 +3829,7 @@
             <a:spLocks noGrp="1"/>
           </p:cNvSpPr>
           <p:nvPr>
-            <p:ph type="pic" sz="quarter" idx="13"/>
+            <p:ph type="pic" sz="quarter" idx="13" hasCustomPrompt="1"/>
           </p:nvPr>
         </p:nvSpPr>
         <p:spPr>
@@ -3829,7 +3851,7 @@
               <a:rPr lang="en-US" altLang="zh-CN" smtClean="0"/>
               <a:t>Drag picture to placeholder or click icon to add</a:t>
             </a:r>
-            <a:endParaRPr/>
+            <a:endParaRPr lang="en-US" altLang="zh-CN" smtClean="0"/>
           </a:p>
         </p:txBody>
       </p:sp>
@@ -3840,7 +3862,7 @@
             <a:spLocks noGrp="1"/>
           </p:cNvSpPr>
           <p:nvPr>
-            <p:ph type="pic" sz="quarter" idx="14"/>
+            <p:ph type="pic" sz="quarter" idx="14" hasCustomPrompt="1"/>
           </p:nvPr>
         </p:nvSpPr>
         <p:spPr>
@@ -3862,7 +3884,7 @@
               <a:rPr lang="en-US" altLang="zh-CN" smtClean="0"/>
               <a:t>Drag picture to placeholder or click icon to add</a:t>
             </a:r>
-            <a:endParaRPr/>
+            <a:endParaRPr lang="en-US" altLang="zh-CN" smtClean="0"/>
           </a:p>
         </p:txBody>
       </p:sp>
@@ -3873,7 +3895,7 @@
             <a:spLocks noGrp="1"/>
           </p:cNvSpPr>
           <p:nvPr>
-            <p:ph type="pic" sz="quarter" idx="15"/>
+            <p:ph type="pic" sz="quarter" idx="15" hasCustomPrompt="1"/>
           </p:nvPr>
         </p:nvSpPr>
         <p:spPr>
@@ -3895,7 +3917,7 @@
               <a:rPr lang="en-US" altLang="zh-CN" smtClean="0"/>
               <a:t>Drag picture to placeholder or click icon to add</a:t>
             </a:r>
-            <a:endParaRPr/>
+            <a:endParaRPr lang="en-US" altLang="zh-CN" smtClean="0"/>
           </a:p>
         </p:txBody>
       </p:sp>
@@ -3967,7 +3989,6 @@
           <a:lstStyle/>
           <a:p>
             <a:pPr algn="ctr"/>
-            <a:endParaRPr/>
           </a:p>
         </p:txBody>
       </p:sp>
@@ -4001,7 +4022,7 @@
               <a:rPr lang="en-US" altLang="zh-CN" smtClean="0"/>
               <a:t>Click to edit Master title style</a:t>
             </a:r>
-            <a:endParaRPr/>
+            <a:endParaRPr lang="en-US" altLang="zh-CN" smtClean="0"/>
           </a:p>
         </p:txBody>
       </p:sp>
@@ -4012,7 +4033,7 @@
             <a:spLocks noGrp="1"/>
           </p:cNvSpPr>
           <p:nvPr>
-            <p:ph type="pic" idx="1"/>
+            <p:ph type="pic" idx="1" hasCustomPrompt="1"/>
           </p:nvPr>
         </p:nvSpPr>
         <p:spPr>
@@ -4066,7 +4087,7 @@
               <a:rPr lang="en-US" altLang="zh-CN" smtClean="0"/>
               <a:t>Drag picture to placeholder or click icon to add</a:t>
             </a:r>
-            <a:endParaRPr/>
+            <a:endParaRPr lang="en-US" altLang="zh-CN" smtClean="0"/>
           </a:p>
         </p:txBody>
       </p:sp>
@@ -4135,6 +4156,7 @@
               <a:rPr lang="en-US" altLang="zh-CN" smtClean="0"/>
               <a:t>Click to edit Master text styles</a:t>
             </a:r>
+            <a:endParaRPr lang="en-US" altLang="zh-CN" smtClean="0"/>
           </a:p>
         </p:txBody>
       </p:sp>
@@ -4160,8 +4182,6 @@
           <a:p>
             <a:fld id="{327B613C-1AD7-49D3-885D-F654C5CDBAA6}" type="datetime1">
               <a:rPr lang="en-US" smtClean="0"/>
-              <a:pPr/>
-              <a:t>4/18/2017</a:t>
             </a:fld>
             <a:endParaRPr lang="en-US" dirty="0"/>
           </a:p>
@@ -4208,8 +4228,6 @@
           <a:p>
             <a:fld id="{6E2D2B3B-882E-40F3-A32F-6DD516915044}" type="slidenum">
               <a:rPr lang="en-US" smtClean="0"/>
-              <a:pPr/>
-              <a:t>‹#›</a:t>
             </a:fld>
             <a:endParaRPr lang="en-US" dirty="0"/>
           </a:p>
@@ -4248,6 +4266,14 @@
               </a:rPr>
               <a:t>+ </a:t>
             </a:r>
+            <a:endParaRPr sz="2400" b="1" baseline="0">
+              <a:solidFill>
+                <a:schemeClr val="accent1">
+                  <a:lumMod val="60000"/>
+                  <a:lumOff val="40000"/>
+                </a:schemeClr>
+              </a:solidFill>
+            </a:endParaRPr>
           </a:p>
         </p:txBody>
       </p:sp>
@@ -4258,7 +4284,7 @@
             <a:spLocks noGrp="1"/>
           </p:cNvSpPr>
           <p:nvPr>
-            <p:ph type="pic" sz="quarter" idx="13"/>
+            <p:ph type="pic" sz="quarter" idx="13" hasCustomPrompt="1"/>
           </p:nvPr>
         </p:nvSpPr>
         <p:spPr>
@@ -4280,7 +4306,7 @@
               <a:rPr lang="en-US" altLang="zh-CN" smtClean="0"/>
               <a:t>Drag picture to placeholder or click icon to add</a:t>
             </a:r>
-            <a:endParaRPr/>
+            <a:endParaRPr lang="en-US" altLang="zh-CN" smtClean="0"/>
           </a:p>
         </p:txBody>
       </p:sp>
@@ -4291,7 +4317,7 @@
             <a:spLocks noGrp="1"/>
           </p:cNvSpPr>
           <p:nvPr>
-            <p:ph type="pic" sz="quarter" idx="14"/>
+            <p:ph type="pic" sz="quarter" idx="14" hasCustomPrompt="1"/>
           </p:nvPr>
         </p:nvSpPr>
         <p:spPr>
@@ -4313,7 +4339,7 @@
               <a:rPr lang="en-US" altLang="zh-CN" smtClean="0"/>
               <a:t>Drag picture to placeholder or click icon to add</a:t>
             </a:r>
-            <a:endParaRPr/>
+            <a:endParaRPr lang="en-US" altLang="zh-CN" smtClean="0"/>
           </a:p>
         </p:txBody>
       </p:sp>
@@ -4385,7 +4411,6 @@
           <a:lstStyle/>
           <a:p>
             <a:pPr algn="ctr"/>
-            <a:endParaRPr/>
           </a:p>
         </p:txBody>
       </p:sp>
@@ -4422,6 +4447,14 @@
               </a:rPr>
               <a:t>+</a:t>
             </a:r>
+            <a:endParaRPr sz="3600" b="1">
+              <a:solidFill>
+                <a:schemeClr val="accent1">
+                  <a:lumMod val="60000"/>
+                  <a:lumOff val="40000"/>
+                </a:schemeClr>
+              </a:solidFill>
+            </a:endParaRPr>
           </a:p>
         </p:txBody>
       </p:sp>
@@ -4444,7 +4477,7 @@
               <a:rPr lang="en-US" altLang="zh-CN" smtClean="0"/>
               <a:t>Click to edit Master title style</a:t>
             </a:r>
-            <a:endParaRPr/>
+            <a:endParaRPr lang="en-US" altLang="zh-CN" smtClean="0"/>
           </a:p>
         </p:txBody>
       </p:sp>
@@ -4472,6 +4505,7 @@
               <a:rPr lang="en-US" altLang="zh-CN" smtClean="0"/>
               <a:t>Click to edit Master text styles</a:t>
             </a:r>
+            <a:endParaRPr lang="en-US" altLang="zh-CN" smtClean="0"/>
           </a:p>
           <a:p>
             <a:pPr lvl="1"/>
@@ -4479,6 +4513,7 @@
               <a:rPr lang="en-US" altLang="zh-CN" smtClean="0"/>
               <a:t>Second level</a:t>
             </a:r>
+            <a:endParaRPr lang="en-US" altLang="zh-CN" smtClean="0"/>
           </a:p>
           <a:p>
             <a:pPr lvl="2"/>
@@ -4486,6 +4521,7 @@
               <a:rPr lang="en-US" altLang="zh-CN" smtClean="0"/>
               <a:t>Third level</a:t>
             </a:r>
+            <a:endParaRPr lang="en-US" altLang="zh-CN" smtClean="0"/>
           </a:p>
           <a:p>
             <a:pPr lvl="3"/>
@@ -4493,6 +4529,7 @@
               <a:rPr lang="en-US" altLang="zh-CN" smtClean="0"/>
               <a:t>Fourth level</a:t>
             </a:r>
+            <a:endParaRPr lang="en-US" altLang="zh-CN" smtClean="0"/>
           </a:p>
           <a:p>
             <a:pPr lvl="4"/>
@@ -4521,8 +4558,6 @@
           <a:p>
             <a:fld id="{58FB4290-6522-4139-852E-05BD9E7F0D2E}" type="datetime1">
               <a:rPr lang="en-US" smtClean="0"/>
-              <a:pPr/>
-              <a:t>4/18/2017</a:t>
             </a:fld>
             <a:endParaRPr lang="en-US"/>
           </a:p>
@@ -4564,8 +4599,6 @@
           <a:p>
             <a:fld id="{6E2D2B3B-882E-40F3-A32F-6DD516915044}" type="slidenum">
               <a:rPr lang="en-US" smtClean="0"/>
-              <a:pPr/>
-              <a:t>‹#›</a:t>
             </a:fld>
             <a:endParaRPr lang="en-US"/>
           </a:p>
@@ -4638,7 +4671,6 @@
           <a:lstStyle/>
           <a:p>
             <a:pPr algn="ctr"/>
-            <a:endParaRPr/>
           </a:p>
         </p:txBody>
       </p:sp>
@@ -4661,7 +4693,7 @@
               <a:rPr lang="en-US" altLang="zh-CN" smtClean="0"/>
               <a:t>Click to edit Master title style</a:t>
             </a:r>
-            <a:endParaRPr/>
+            <a:endParaRPr lang="en-US" altLang="zh-CN" smtClean="0"/>
           </a:p>
         </p:txBody>
       </p:sp>
@@ -4689,6 +4721,7 @@
               <a:rPr lang="en-US" altLang="zh-CN" smtClean="0"/>
               <a:t>Click to edit Master text styles</a:t>
             </a:r>
+            <a:endParaRPr lang="en-US" altLang="zh-CN" smtClean="0"/>
           </a:p>
           <a:p>
             <a:pPr lvl="1"/>
@@ -4696,6 +4729,7 @@
               <a:rPr lang="en-US" altLang="zh-CN" smtClean="0"/>
               <a:t>Second level</a:t>
             </a:r>
+            <a:endParaRPr lang="en-US" altLang="zh-CN" smtClean="0"/>
           </a:p>
           <a:p>
             <a:pPr lvl="2"/>
@@ -4703,6 +4737,7 @@
               <a:rPr lang="en-US" altLang="zh-CN" smtClean="0"/>
               <a:t>Third level</a:t>
             </a:r>
+            <a:endParaRPr lang="en-US" altLang="zh-CN" smtClean="0"/>
           </a:p>
           <a:p>
             <a:pPr lvl="3"/>
@@ -4710,6 +4745,7 @@
               <a:rPr lang="en-US" altLang="zh-CN" smtClean="0"/>
               <a:t>Fourth level</a:t>
             </a:r>
+            <a:endParaRPr lang="en-US" altLang="zh-CN" smtClean="0"/>
           </a:p>
           <a:p>
             <a:pPr lvl="4"/>
@@ -4738,8 +4774,6 @@
           <a:p>
             <a:fld id="{1CEF607B-A47E-422C-9BEF-122CCDB7C526}" type="datetime1">
               <a:rPr lang="en-US" smtClean="0"/>
-              <a:pPr/>
-              <a:t>4/18/2017</a:t>
             </a:fld>
             <a:endParaRPr lang="en-US"/>
           </a:p>
@@ -4781,8 +4815,6 @@
           <a:p>
             <a:fld id="{6E2D2B3B-882E-40F3-A32F-6DD516915044}" type="slidenum">
               <a:rPr lang="en-US" smtClean="0"/>
-              <a:pPr/>
-              <a:t>‹#›</a:t>
             </a:fld>
             <a:endParaRPr lang="en-US"/>
           </a:p>
@@ -4821,6 +4853,14 @@
               </a:rPr>
               <a:t>+</a:t>
             </a:r>
+            <a:endParaRPr sz="3600" b="1">
+              <a:solidFill>
+                <a:schemeClr val="accent1">
+                  <a:lumMod val="60000"/>
+                  <a:lumOff val="40000"/>
+                </a:schemeClr>
+              </a:solidFill>
+            </a:endParaRPr>
           </a:p>
         </p:txBody>
       </p:sp>
@@ -4866,7 +4906,6 @@
           <a:lstStyle/>
           <a:p>
             <a:pPr algn="ctr"/>
-            <a:endParaRPr/>
           </a:p>
         </p:txBody>
       </p:sp>
@@ -4937,7 +4976,6 @@
           <a:lstStyle/>
           <a:p>
             <a:pPr algn="ctr"/>
-            <a:endParaRPr/>
           </a:p>
         </p:txBody>
       </p:sp>
@@ -4965,7 +5003,7 @@
               <a:rPr lang="en-US" altLang="zh-CN" smtClean="0"/>
               <a:t>Click to edit Master title style</a:t>
             </a:r>
-            <a:endParaRPr/>
+            <a:endParaRPr lang="en-US" altLang="zh-CN" smtClean="0"/>
           </a:p>
         </p:txBody>
       </p:sp>
@@ -4998,6 +5036,7 @@
               <a:rPr lang="en-US" altLang="zh-CN" smtClean="0"/>
               <a:t>Click to edit Master text styles</a:t>
             </a:r>
+            <a:endParaRPr lang="en-US" altLang="zh-CN" smtClean="0"/>
           </a:p>
           <a:p>
             <a:pPr lvl="1"/>
@@ -5005,6 +5044,7 @@
               <a:rPr lang="en-US" altLang="zh-CN" smtClean="0"/>
               <a:t>Second level</a:t>
             </a:r>
+            <a:endParaRPr lang="en-US" altLang="zh-CN" smtClean="0"/>
           </a:p>
           <a:p>
             <a:pPr lvl="2"/>
@@ -5012,6 +5052,7 @@
               <a:rPr lang="en-US" altLang="zh-CN" smtClean="0"/>
               <a:t>Third level</a:t>
             </a:r>
+            <a:endParaRPr lang="en-US" altLang="zh-CN" smtClean="0"/>
           </a:p>
           <a:p>
             <a:pPr lvl="3"/>
@@ -5019,6 +5060,7 @@
               <a:rPr lang="en-US" altLang="zh-CN" smtClean="0"/>
               <a:t>Fourth level</a:t>
             </a:r>
+            <a:endParaRPr lang="en-US" altLang="zh-CN" smtClean="0"/>
           </a:p>
           <a:p>
             <a:pPr lvl="4"/>
@@ -5047,8 +5089,6 @@
           <a:p>
             <a:fld id="{AAB955F9-81EA-47C5-8059-9E5C2B437C70}" type="datetime1">
               <a:rPr lang="en-US" smtClean="0"/>
-              <a:pPr/>
-              <a:t>4/18/2017</a:t>
             </a:fld>
             <a:endParaRPr lang="en-US"/>
           </a:p>
@@ -5090,8 +5130,6 @@
           <a:p>
             <a:fld id="{6E2D2B3B-882E-40F3-A32F-6DD516915044}" type="slidenum">
               <a:rPr lang="en-US" smtClean="0"/>
-              <a:pPr/>
-              <a:t>‹#›</a:t>
             </a:fld>
             <a:endParaRPr lang="en-US"/>
           </a:p>
@@ -5130,6 +5168,14 @@
               </a:rPr>
               <a:t>+</a:t>
             </a:r>
+            <a:endParaRPr sz="3600" b="1">
+              <a:solidFill>
+                <a:schemeClr val="accent1">
+                  <a:lumMod val="60000"/>
+                  <a:lumOff val="40000"/>
+                </a:schemeClr>
+              </a:solidFill>
+            </a:endParaRPr>
           </a:p>
         </p:txBody>
       </p:sp>
@@ -5200,7 +5246,6 @@
           <a:lstStyle/>
           <a:p>
             <a:pPr algn="ctr"/>
-            <a:endParaRPr/>
           </a:p>
         </p:txBody>
       </p:sp>
@@ -5228,7 +5273,7 @@
               <a:rPr lang="en-US" altLang="zh-CN" smtClean="0"/>
               <a:t>Click to edit Master title style</a:t>
             </a:r>
-            <a:endParaRPr/>
+            <a:endParaRPr lang="en-US" altLang="zh-CN" smtClean="0"/>
           </a:p>
         </p:txBody>
       </p:sp>
@@ -5256,6 +5301,7 @@
               <a:rPr lang="en-US" altLang="zh-CN" smtClean="0"/>
               <a:t>Click to edit Master text styles</a:t>
             </a:r>
+            <a:endParaRPr lang="en-US" altLang="zh-CN" smtClean="0"/>
           </a:p>
           <a:p>
             <a:pPr lvl="1"/>
@@ -5263,6 +5309,7 @@
               <a:rPr lang="en-US" altLang="zh-CN" smtClean="0"/>
               <a:t>Second level</a:t>
             </a:r>
+            <a:endParaRPr lang="en-US" altLang="zh-CN" smtClean="0"/>
           </a:p>
           <a:p>
             <a:pPr lvl="2"/>
@@ -5270,6 +5317,7 @@
               <a:rPr lang="en-US" altLang="zh-CN" smtClean="0"/>
               <a:t>Third level</a:t>
             </a:r>
+            <a:endParaRPr lang="en-US" altLang="zh-CN" smtClean="0"/>
           </a:p>
           <a:p>
             <a:pPr lvl="3"/>
@@ -5277,6 +5325,7 @@
               <a:rPr lang="en-US" altLang="zh-CN" smtClean="0"/>
               <a:t>Fourth level</a:t>
             </a:r>
+            <a:endParaRPr lang="en-US" altLang="zh-CN" smtClean="0"/>
           </a:p>
           <a:p>
             <a:pPr lvl="4"/>
@@ -5305,8 +5354,6 @@
           <a:p>
             <a:fld id="{327B613C-1AD7-49D3-885D-F654C5CDBAA6}" type="datetime1">
               <a:rPr lang="en-US" smtClean="0"/>
-              <a:pPr/>
-              <a:t>4/18/2017</a:t>
             </a:fld>
             <a:endParaRPr lang="en-US" dirty="0"/>
           </a:p>
@@ -5348,8 +5395,6 @@
           <a:p>
             <a:fld id="{6E2D2B3B-882E-40F3-A32F-6DD516915044}" type="slidenum">
               <a:rPr lang="en-US" smtClean="0"/>
-              <a:pPr/>
-              <a:t>‹#›</a:t>
             </a:fld>
             <a:endParaRPr lang="en-US" dirty="0"/>
           </a:p>
@@ -5388,6 +5433,14 @@
               </a:rPr>
               <a:t>+</a:t>
             </a:r>
+            <a:endParaRPr sz="3600" b="1">
+              <a:solidFill>
+                <a:schemeClr val="accent1">
+                  <a:lumMod val="60000"/>
+                  <a:lumOff val="40000"/>
+                </a:schemeClr>
+              </a:solidFill>
+            </a:endParaRPr>
           </a:p>
         </p:txBody>
       </p:sp>
@@ -5477,13 +5530,13 @@
               <a:buSzTx/>
               <a:buFontTx/>
               <a:buNone/>
-              <a:tabLst/>
               <a:defRPr/>
             </a:pPr>
             <a:r>
               <a:rPr lang="en-US" altLang="zh-CN" smtClean="0"/>
               <a:t>Click to edit Master text styles</a:t>
             </a:r>
+            <a:endParaRPr lang="en-US" altLang="zh-CN" smtClean="0"/>
           </a:p>
         </p:txBody>
       </p:sp>
@@ -5543,7 +5596,7 @@
               <a:rPr lang="en-US" altLang="zh-CN" smtClean="0"/>
               <a:t>Click to edit Master title style</a:t>
             </a:r>
-            <a:endParaRPr/>
+            <a:endParaRPr lang="en-US" altLang="zh-CN" smtClean="0"/>
           </a:p>
         </p:txBody>
       </p:sp>
@@ -5697,8 +5750,6 @@
           <a:p>
             <a:fld id="{327B613C-1AD7-49D3-885D-F654C5CDBAA6}" type="datetime1">
               <a:rPr lang="en-US" smtClean="0"/>
-              <a:pPr/>
-              <a:t>4/18/2017</a:t>
             </a:fld>
             <a:endParaRPr lang="en-US" dirty="0"/>
           </a:p>
@@ -5774,7 +5825,6 @@
           <a:lstStyle/>
           <a:p>
             <a:pPr algn="ctr"/>
-            <a:endParaRPr/>
           </a:p>
         </p:txBody>
       </p:sp>
@@ -5820,7 +5870,6 @@
           <a:lstStyle/>
           <a:p>
             <a:pPr algn="ctr"/>
-            <a:endParaRPr/>
           </a:p>
         </p:txBody>
       </p:sp>
@@ -5866,7 +5915,6 @@
           <a:lstStyle/>
           <a:p>
             <a:pPr algn="ctr"/>
-            <a:endParaRPr/>
           </a:p>
         </p:txBody>
       </p:sp>
@@ -5877,7 +5925,7 @@
             <a:spLocks noGrp="1"/>
           </p:cNvSpPr>
           <p:nvPr>
-            <p:ph type="pic" sz="quarter" idx="12"/>
+            <p:ph type="pic" sz="quarter" idx="12" hasCustomPrompt="1"/>
           </p:nvPr>
         </p:nvSpPr>
         <p:spPr>
@@ -5899,7 +5947,7 @@
               <a:rPr lang="en-US" altLang="zh-CN" smtClean="0"/>
               <a:t>Drag picture to placeholder or click icon to add</a:t>
             </a:r>
-            <a:endParaRPr/>
+            <a:endParaRPr lang="en-US" altLang="zh-CN" smtClean="0"/>
           </a:p>
         </p:txBody>
       </p:sp>
@@ -5910,7 +5958,7 @@
             <a:spLocks noGrp="1"/>
           </p:cNvSpPr>
           <p:nvPr>
-            <p:ph type="pic" sz="quarter" idx="13"/>
+            <p:ph type="pic" sz="quarter" idx="13" hasCustomPrompt="1"/>
           </p:nvPr>
         </p:nvSpPr>
         <p:spPr>
@@ -5932,7 +5980,7 @@
               <a:rPr lang="en-US" altLang="zh-CN" smtClean="0"/>
               <a:t>Drag picture to placeholder or click icon to add</a:t>
             </a:r>
-            <a:endParaRPr/>
+            <a:endParaRPr lang="en-US" altLang="zh-CN" smtClean="0"/>
           </a:p>
         </p:txBody>
       </p:sp>
@@ -5987,6 +6035,7 @@
               <a:rPr kumimoji="0" lang="en-US" altLang="zh-CN" smtClean="0"/>
               <a:t>Click to edit Master text styles</a:t>
             </a:r>
+            <a:endParaRPr kumimoji="0" lang="en-US" altLang="zh-CN" smtClean="0"/>
           </a:p>
         </p:txBody>
       </p:sp>
@@ -6023,6 +6072,14 @@
               </a:rPr>
               <a:t>+</a:t>
             </a:r>
+            <a:endParaRPr sz="5400" b="1">
+              <a:solidFill>
+                <a:schemeClr val="accent1">
+                  <a:lumMod val="60000"/>
+                  <a:lumOff val="40000"/>
+                </a:schemeClr>
+              </a:solidFill>
+            </a:endParaRPr>
           </a:p>
         </p:txBody>
       </p:sp>
@@ -6094,7 +6151,6 @@
           <a:lstStyle/>
           <a:p>
             <a:pPr algn="ctr"/>
-            <a:endParaRPr/>
           </a:p>
         </p:txBody>
       </p:sp>
@@ -6132,7 +6188,7 @@
               <a:rPr lang="en-US" altLang="zh-CN" smtClean="0"/>
               <a:t>Click to edit Master title style</a:t>
             </a:r>
-            <a:endParaRPr/>
+            <a:endParaRPr lang="en-US" altLang="zh-CN" smtClean="0"/>
           </a:p>
         </p:txBody>
       </p:sp>
@@ -6255,6 +6311,7 @@
               <a:rPr lang="en-US" altLang="zh-CN" smtClean="0"/>
               <a:t>Click to edit Master text styles</a:t>
             </a:r>
+            <a:endParaRPr lang="en-US" altLang="zh-CN" smtClean="0"/>
           </a:p>
         </p:txBody>
       </p:sp>
@@ -6288,8 +6345,6 @@
           <a:p>
             <a:fld id="{63A9A7CB-BEE6-4F99-898E-913F06E8E125}" type="datetime1">
               <a:rPr lang="en-US" smtClean="0"/>
-              <a:pPr/>
-              <a:t>4/18/2017</a:t>
             </a:fld>
             <a:endParaRPr lang="en-US"/>
           </a:p>
@@ -6349,8 +6404,6 @@
           <a:p>
             <a:fld id="{6E2D2B3B-882E-40F3-A32F-6DD516915044}" type="slidenum">
               <a:rPr lang="en-US" smtClean="0"/>
-              <a:pPr/>
-              <a:t>‹#›</a:t>
             </a:fld>
             <a:endParaRPr lang="en-US"/>
           </a:p>
@@ -6389,6 +6442,14 @@
               </a:rPr>
               <a:t>+</a:t>
             </a:r>
+            <a:endParaRPr sz="4000" b="1">
+              <a:solidFill>
+                <a:schemeClr val="accent1">
+                  <a:lumMod val="60000"/>
+                  <a:lumOff val="40000"/>
+                </a:schemeClr>
+              </a:solidFill>
+            </a:endParaRPr>
           </a:p>
         </p:txBody>
       </p:sp>
@@ -6434,7 +6495,6 @@
           <a:lstStyle/>
           <a:p>
             <a:pPr algn="ctr"/>
-            <a:endParaRPr/>
           </a:p>
         </p:txBody>
       </p:sp>
@@ -6505,7 +6565,6 @@
           <a:lstStyle/>
           <a:p>
             <a:pPr algn="ctr"/>
-            <a:endParaRPr/>
           </a:p>
         </p:txBody>
       </p:sp>
@@ -6551,7 +6610,6 @@
           <a:lstStyle/>
           <a:p>
             <a:pPr algn="ctr"/>
-            <a:endParaRPr/>
           </a:p>
         </p:txBody>
       </p:sp>
@@ -6588,6 +6646,14 @@
               </a:rPr>
               <a:t>+</a:t>
             </a:r>
+            <a:endParaRPr sz="3600" b="1">
+              <a:solidFill>
+                <a:schemeClr val="accent1">
+                  <a:lumMod val="60000"/>
+                  <a:lumOff val="40000"/>
+                </a:schemeClr>
+              </a:solidFill>
+            </a:endParaRPr>
           </a:p>
         </p:txBody>
       </p:sp>
@@ -6610,7 +6676,7 @@
               <a:rPr lang="en-US" altLang="zh-CN" smtClean="0"/>
               <a:t>Click to edit Master title style</a:t>
             </a:r>
-            <a:endParaRPr/>
+            <a:endParaRPr lang="en-US" altLang="zh-CN" smtClean="0"/>
           </a:p>
         </p:txBody>
       </p:sp>
@@ -6669,6 +6735,7 @@
               <a:rPr lang="en-US" altLang="zh-CN" smtClean="0"/>
               <a:t>Click to edit Master text styles</a:t>
             </a:r>
+            <a:endParaRPr lang="en-US" altLang="zh-CN" smtClean="0"/>
           </a:p>
           <a:p>
             <a:pPr lvl="1"/>
@@ -6676,6 +6743,7 @@
               <a:rPr lang="en-US" altLang="zh-CN" smtClean="0"/>
               <a:t>Second level</a:t>
             </a:r>
+            <a:endParaRPr lang="en-US" altLang="zh-CN" smtClean="0"/>
           </a:p>
           <a:p>
             <a:pPr lvl="2"/>
@@ -6683,6 +6751,7 @@
               <a:rPr lang="en-US" altLang="zh-CN" smtClean="0"/>
               <a:t>Third level</a:t>
             </a:r>
+            <a:endParaRPr lang="en-US" altLang="zh-CN" smtClean="0"/>
           </a:p>
           <a:p>
             <a:pPr lvl="3"/>
@@ -6690,6 +6759,7 @@
               <a:rPr lang="en-US" altLang="zh-CN" smtClean="0"/>
               <a:t>Fourth level</a:t>
             </a:r>
+            <a:endParaRPr lang="en-US" altLang="zh-CN" smtClean="0"/>
           </a:p>
           <a:p>
             <a:pPr lvl="4"/>
@@ -6756,6 +6826,7 @@
               <a:rPr lang="en-US" altLang="zh-CN" smtClean="0"/>
               <a:t>Click to edit Master text styles</a:t>
             </a:r>
+            <a:endParaRPr lang="en-US" altLang="zh-CN" smtClean="0"/>
           </a:p>
           <a:p>
             <a:pPr lvl="1"/>
@@ -6763,6 +6834,7 @@
               <a:rPr lang="en-US" altLang="zh-CN" smtClean="0"/>
               <a:t>Second level</a:t>
             </a:r>
+            <a:endParaRPr lang="en-US" altLang="zh-CN" smtClean="0"/>
           </a:p>
           <a:p>
             <a:pPr lvl="2"/>
@@ -6770,6 +6842,7 @@
               <a:rPr lang="en-US" altLang="zh-CN" smtClean="0"/>
               <a:t>Third level</a:t>
             </a:r>
+            <a:endParaRPr lang="en-US" altLang="zh-CN" smtClean="0"/>
           </a:p>
           <a:p>
             <a:pPr lvl="3"/>
@@ -6777,6 +6850,7 @@
               <a:rPr lang="en-US" altLang="zh-CN" smtClean="0"/>
               <a:t>Fourth level</a:t>
             </a:r>
+            <a:endParaRPr lang="en-US" altLang="zh-CN" smtClean="0"/>
           </a:p>
           <a:p>
             <a:pPr lvl="4"/>
@@ -6805,8 +6879,6 @@
           <a:p>
             <a:fld id="{B6EE300C-6FC5-4FC3-AF1A-075E4F50620D}" type="datetime1">
               <a:rPr lang="en-US" smtClean="0"/>
-              <a:pPr/>
-              <a:t>4/18/2017</a:t>
             </a:fld>
             <a:endParaRPr lang="en-US"/>
           </a:p>
@@ -6848,8 +6920,6 @@
           <a:p>
             <a:fld id="{6E2D2B3B-882E-40F3-A32F-6DD516915044}" type="slidenum">
               <a:rPr lang="en-US" smtClean="0"/>
-              <a:pPr/>
-              <a:t>‹#›</a:t>
             </a:fld>
             <a:endParaRPr lang="en-US"/>
           </a:p>
@@ -6922,7 +6992,6 @@
           <a:lstStyle/>
           <a:p>
             <a:pPr algn="ctr"/>
-            <a:endParaRPr/>
           </a:p>
         </p:txBody>
       </p:sp>
@@ -6959,6 +7028,14 @@
               </a:rPr>
               <a:t>+</a:t>
             </a:r>
+            <a:endParaRPr sz="3600" b="1">
+              <a:solidFill>
+                <a:schemeClr val="accent1">
+                  <a:lumMod val="60000"/>
+                  <a:lumOff val="40000"/>
+                </a:schemeClr>
+              </a:solidFill>
+            </a:endParaRPr>
           </a:p>
         </p:txBody>
       </p:sp>
@@ -6985,7 +7062,7 @@
               <a:rPr lang="en-US" altLang="zh-CN" smtClean="0"/>
               <a:t>Click to edit Master title style</a:t>
             </a:r>
-            <a:endParaRPr/>
+            <a:endParaRPr lang="en-US" altLang="zh-CN" smtClean="0"/>
           </a:p>
         </p:txBody>
       </p:sp>
@@ -7044,6 +7121,7 @@
               <a:rPr lang="en-US" altLang="zh-CN" smtClean="0"/>
               <a:t>Click to edit Master text styles</a:t>
             </a:r>
+            <a:endParaRPr lang="en-US" altLang="zh-CN" smtClean="0"/>
           </a:p>
           <a:p>
             <a:pPr lvl="1"/>
@@ -7051,6 +7129,7 @@
               <a:rPr lang="en-US" altLang="zh-CN" smtClean="0"/>
               <a:t>Second level</a:t>
             </a:r>
+            <a:endParaRPr lang="en-US" altLang="zh-CN" smtClean="0"/>
           </a:p>
           <a:p>
             <a:pPr lvl="2"/>
@@ -7058,6 +7137,7 @@
               <a:rPr lang="en-US" altLang="zh-CN" smtClean="0"/>
               <a:t>Third level</a:t>
             </a:r>
+            <a:endParaRPr lang="en-US" altLang="zh-CN" smtClean="0"/>
           </a:p>
           <a:p>
             <a:pPr lvl="3"/>
@@ -7065,6 +7145,7 @@
               <a:rPr lang="en-US" altLang="zh-CN" smtClean="0"/>
               <a:t>Fourth level</a:t>
             </a:r>
+            <a:endParaRPr lang="en-US" altLang="zh-CN" smtClean="0"/>
           </a:p>
           <a:p>
             <a:pPr lvl="4"/>
@@ -7131,6 +7212,7 @@
               <a:rPr lang="en-US" altLang="zh-CN" smtClean="0"/>
               <a:t>Click to edit Master text styles</a:t>
             </a:r>
+            <a:endParaRPr lang="en-US" altLang="zh-CN" smtClean="0"/>
           </a:p>
           <a:p>
             <a:pPr lvl="1"/>
@@ -7138,6 +7220,7 @@
               <a:rPr lang="en-US" altLang="zh-CN" smtClean="0"/>
               <a:t>Second level</a:t>
             </a:r>
+            <a:endParaRPr lang="en-US" altLang="zh-CN" smtClean="0"/>
           </a:p>
           <a:p>
             <a:pPr lvl="2"/>
@@ -7145,6 +7228,7 @@
               <a:rPr lang="en-US" altLang="zh-CN" smtClean="0"/>
               <a:t>Third level</a:t>
             </a:r>
+            <a:endParaRPr lang="en-US" altLang="zh-CN" smtClean="0"/>
           </a:p>
           <a:p>
             <a:pPr lvl="3"/>
@@ -7152,6 +7236,7 @@
               <a:rPr lang="en-US" altLang="zh-CN" smtClean="0"/>
               <a:t>Fourth level</a:t>
             </a:r>
+            <a:endParaRPr lang="en-US" altLang="zh-CN" smtClean="0"/>
           </a:p>
           <a:p>
             <a:pPr lvl="4"/>
@@ -7180,8 +7265,6 @@
           <a:p>
             <a:fld id="{F50D295D-4A77-4DEB-B04C-9F4282A8BC04}" type="datetime1">
               <a:rPr lang="en-US" smtClean="0"/>
-              <a:pPr/>
-              <a:t>4/18/2017</a:t>
             </a:fld>
             <a:endParaRPr lang="en-US"/>
           </a:p>
@@ -7223,8 +7306,6 @@
           <a:p>
             <a:fld id="{6E2D2B3B-882E-40F3-A32F-6DD516915044}" type="slidenum">
               <a:rPr lang="en-US" smtClean="0"/>
-              <a:pPr/>
-              <a:t>‹#›</a:t>
             </a:fld>
             <a:endParaRPr lang="en-US"/>
           </a:p>
@@ -7307,6 +7388,7 @@
               <a:rPr lang="en-US" altLang="zh-CN" smtClean="0"/>
               <a:t>Click to edit Master text styles</a:t>
             </a:r>
+            <a:endParaRPr lang="en-US" altLang="zh-CN" smtClean="0"/>
           </a:p>
         </p:txBody>
       </p:sp>
@@ -7390,6 +7472,7 @@
               <a:rPr lang="en-US" altLang="zh-CN" smtClean="0"/>
               <a:t>Click to edit Master text styles</a:t>
             </a:r>
+            <a:endParaRPr lang="en-US" altLang="zh-CN" smtClean="0"/>
           </a:p>
         </p:txBody>
       </p:sp>
@@ -7451,6 +7534,14 @@
               </a:rPr>
               <a:t>+</a:t>
             </a:r>
+            <a:endParaRPr sz="3600" b="1">
+              <a:solidFill>
+                <a:schemeClr val="accent1">
+                  <a:lumMod val="60000"/>
+                  <a:lumOff val="40000"/>
+                </a:schemeClr>
+              </a:solidFill>
+            </a:endParaRPr>
           </a:p>
         </p:txBody>
       </p:sp>
@@ -7473,7 +7564,7 @@
               <a:rPr lang="en-US" altLang="zh-CN" smtClean="0"/>
               <a:t>Click to edit Master title style</a:t>
             </a:r>
-            <a:endParaRPr/>
+            <a:endParaRPr lang="en-US" altLang="zh-CN" smtClean="0"/>
           </a:p>
         </p:txBody>
       </p:sp>
@@ -7532,6 +7623,7 @@
               <a:rPr lang="en-US" altLang="zh-CN" smtClean="0"/>
               <a:t>Click to edit Master text styles</a:t>
             </a:r>
+            <a:endParaRPr lang="en-US" altLang="zh-CN" smtClean="0"/>
           </a:p>
           <a:p>
             <a:pPr lvl="1"/>
@@ -7539,6 +7631,7 @@
               <a:rPr lang="en-US" altLang="zh-CN" smtClean="0"/>
               <a:t>Second level</a:t>
             </a:r>
+            <a:endParaRPr lang="en-US" altLang="zh-CN" smtClean="0"/>
           </a:p>
           <a:p>
             <a:pPr lvl="2"/>
@@ -7546,6 +7639,7 @@
               <a:rPr lang="en-US" altLang="zh-CN" smtClean="0"/>
               <a:t>Third level</a:t>
             </a:r>
+            <a:endParaRPr lang="en-US" altLang="zh-CN" smtClean="0"/>
           </a:p>
           <a:p>
             <a:pPr lvl="3"/>
@@ -7553,6 +7647,7 @@
               <a:rPr lang="en-US" altLang="zh-CN" smtClean="0"/>
               <a:t>Fourth level</a:t>
             </a:r>
+            <a:endParaRPr lang="en-US" altLang="zh-CN" smtClean="0"/>
           </a:p>
           <a:p>
             <a:pPr lvl="4"/>
@@ -7581,8 +7676,6 @@
           <a:p>
             <a:fld id="{327B613C-1AD7-49D3-885D-F654C5CDBAA6}" type="datetime1">
               <a:rPr lang="en-US" smtClean="0"/>
-              <a:pPr/>
-              <a:t>4/18/2017</a:t>
             </a:fld>
             <a:endParaRPr lang="en-US" dirty="0"/>
           </a:p>
@@ -7662,6 +7755,7 @@
               <a:rPr lang="en-US" altLang="zh-CN" smtClean="0"/>
               <a:t>Click to edit Master text styles</a:t>
             </a:r>
+            <a:endParaRPr lang="en-US" altLang="zh-CN" smtClean="0"/>
           </a:p>
           <a:p>
             <a:pPr lvl="1"/>
@@ -7669,6 +7763,7 @@
               <a:rPr lang="en-US" altLang="zh-CN" smtClean="0"/>
               <a:t>Second level</a:t>
             </a:r>
+            <a:endParaRPr lang="en-US" altLang="zh-CN" smtClean="0"/>
           </a:p>
           <a:p>
             <a:pPr lvl="2"/>
@@ -7676,6 +7771,7 @@
               <a:rPr lang="en-US" altLang="zh-CN" smtClean="0"/>
               <a:t>Third level</a:t>
             </a:r>
+            <a:endParaRPr lang="en-US" altLang="zh-CN" smtClean="0"/>
           </a:p>
           <a:p>
             <a:pPr lvl="3"/>
@@ -7683,6 +7779,7 @@
               <a:rPr lang="en-US" altLang="zh-CN" smtClean="0"/>
               <a:t>Fourth level</a:t>
             </a:r>
+            <a:endParaRPr lang="en-US" altLang="zh-CN" smtClean="0"/>
           </a:p>
           <a:p>
             <a:pPr lvl="4"/>
@@ -7736,7 +7833,6 @@
           <a:lstStyle/>
           <a:p>
             <a:pPr algn="ctr"/>
-            <a:endParaRPr/>
           </a:p>
         </p:txBody>
       </p:sp>
@@ -7762,8 +7858,6 @@
           <a:p>
             <a:fld id="{6E2D2B3B-882E-40F3-A32F-6DD516915044}" type="slidenum">
               <a:rPr lang="en-US" smtClean="0"/>
-              <a:pPr/>
-              <a:t>‹#›</a:t>
             </a:fld>
             <a:endParaRPr lang="en-US" dirty="0"/>
           </a:p>
@@ -7837,7 +7931,6 @@
           <a:lstStyle/>
           <a:p>
             <a:pPr algn="ctr"/>
-            <a:endParaRPr/>
           </a:p>
         </p:txBody>
       </p:sp>
@@ -7874,6 +7967,14 @@
               </a:rPr>
               <a:t>+</a:t>
             </a:r>
+            <a:endParaRPr sz="3600" b="1">
+              <a:solidFill>
+                <a:schemeClr val="accent1">
+                  <a:lumMod val="60000"/>
+                  <a:lumOff val="40000"/>
+                </a:schemeClr>
+              </a:solidFill>
+            </a:endParaRPr>
           </a:p>
         </p:txBody>
       </p:sp>
@@ -7896,7 +7997,7 @@
               <a:rPr lang="en-US" altLang="zh-CN" smtClean="0"/>
               <a:t>Click to edit Master title style</a:t>
             </a:r>
-            <a:endParaRPr/>
+            <a:endParaRPr lang="en-US" altLang="zh-CN" smtClean="0"/>
           </a:p>
         </p:txBody>
       </p:sp>
@@ -7955,6 +8056,7 @@
               <a:rPr lang="en-US" altLang="zh-CN" smtClean="0"/>
               <a:t>Click to edit Master text styles</a:t>
             </a:r>
+            <a:endParaRPr lang="en-US" altLang="zh-CN" smtClean="0"/>
           </a:p>
           <a:p>
             <a:pPr lvl="1"/>
@@ -7962,6 +8064,7 @@
               <a:rPr lang="en-US" altLang="zh-CN" smtClean="0"/>
               <a:t>Second level</a:t>
             </a:r>
+            <a:endParaRPr lang="en-US" altLang="zh-CN" smtClean="0"/>
           </a:p>
           <a:p>
             <a:pPr lvl="2"/>
@@ -7969,6 +8072,7 @@
               <a:rPr lang="en-US" altLang="zh-CN" smtClean="0"/>
               <a:t>Third level</a:t>
             </a:r>
+            <a:endParaRPr lang="en-US" altLang="zh-CN" smtClean="0"/>
           </a:p>
           <a:p>
             <a:pPr lvl="3"/>
@@ -7976,6 +8080,7 @@
               <a:rPr lang="en-US" altLang="zh-CN" smtClean="0"/>
               <a:t>Fourth level</a:t>
             </a:r>
+            <a:endParaRPr lang="en-US" altLang="zh-CN" smtClean="0"/>
           </a:p>
           <a:p>
             <a:pPr lvl="4"/>
@@ -8004,8 +8109,6 @@
           <a:p>
             <a:fld id="{327B613C-1AD7-49D3-885D-F654C5CDBAA6}" type="datetime1">
               <a:rPr lang="en-US" smtClean="0"/>
-              <a:pPr/>
-              <a:t>4/18/2017</a:t>
             </a:fld>
             <a:endParaRPr lang="en-US" dirty="0"/>
           </a:p>
@@ -8047,8 +8150,6 @@
           <a:p>
             <a:fld id="{6E2D2B3B-882E-40F3-A32F-6DD516915044}" type="slidenum">
               <a:rPr lang="en-US" smtClean="0"/>
-              <a:pPr/>
-              <a:t>‹#›</a:t>
             </a:fld>
             <a:endParaRPr lang="en-US" dirty="0"/>
           </a:p>
@@ -8109,6 +8210,7 @@
               <a:rPr lang="en-US" altLang="zh-CN" smtClean="0"/>
               <a:t>Click to edit Master text styles</a:t>
             </a:r>
+            <a:endParaRPr lang="en-US" altLang="zh-CN" smtClean="0"/>
           </a:p>
           <a:p>
             <a:pPr lvl="1"/>
@@ -8116,6 +8218,7 @@
               <a:rPr lang="en-US" altLang="zh-CN" smtClean="0"/>
               <a:t>Second level</a:t>
             </a:r>
+            <a:endParaRPr lang="en-US" altLang="zh-CN" smtClean="0"/>
           </a:p>
           <a:p>
             <a:pPr lvl="2"/>
@@ -8123,6 +8226,7 @@
               <a:rPr lang="en-US" altLang="zh-CN" smtClean="0"/>
               <a:t>Third level</a:t>
             </a:r>
+            <a:endParaRPr lang="en-US" altLang="zh-CN" smtClean="0"/>
           </a:p>
           <a:p>
             <a:pPr lvl="3"/>
@@ -8130,6 +8234,7 @@
               <a:rPr lang="en-US" altLang="zh-CN" smtClean="0"/>
               <a:t>Fourth level</a:t>
             </a:r>
+            <a:endParaRPr lang="en-US" altLang="zh-CN" smtClean="0"/>
           </a:p>
           <a:p>
             <a:pPr lvl="4"/>
@@ -8196,6 +8301,7 @@
               <a:rPr lang="en-US" altLang="zh-CN" smtClean="0"/>
               <a:t>Click to edit Master text styles</a:t>
             </a:r>
+            <a:endParaRPr lang="en-US" altLang="zh-CN" smtClean="0"/>
           </a:p>
           <a:p>
             <a:pPr lvl="1"/>
@@ -8203,6 +8309,7 @@
               <a:rPr lang="en-US" altLang="zh-CN" smtClean="0"/>
               <a:t>Second level</a:t>
             </a:r>
+            <a:endParaRPr lang="en-US" altLang="zh-CN" smtClean="0"/>
           </a:p>
           <a:p>
             <a:pPr lvl="2"/>
@@ -8210,6 +8317,7 @@
               <a:rPr lang="en-US" altLang="zh-CN" smtClean="0"/>
               <a:t>Third level</a:t>
             </a:r>
+            <a:endParaRPr lang="en-US" altLang="zh-CN" smtClean="0"/>
           </a:p>
           <a:p>
             <a:pPr lvl="3"/>
@@ -8217,6 +8325,7 @@
               <a:rPr lang="en-US" altLang="zh-CN" smtClean="0"/>
               <a:t>Fourth level</a:t>
             </a:r>
+            <a:endParaRPr lang="en-US" altLang="zh-CN" smtClean="0"/>
           </a:p>
           <a:p>
             <a:pPr lvl="4"/>
@@ -8296,7 +8405,7 @@
               <a:rPr lang="en-US" altLang="zh-CN" smtClean="0"/>
               <a:t>Click to edit Master title style</a:t>
             </a:r>
-            <a:endParaRPr/>
+            <a:endParaRPr lang="en-US" altLang="zh-CN" smtClean="0"/>
           </a:p>
         </p:txBody>
       </p:sp>
@@ -8330,6 +8439,7 @@
               <a:rPr lang="en-US" altLang="zh-CN" smtClean="0"/>
               <a:t>Click to edit Master text styles</a:t>
             </a:r>
+            <a:endParaRPr lang="en-US" altLang="zh-CN" smtClean="0"/>
           </a:p>
           <a:p>
             <a:pPr lvl="1"/>
@@ -8337,6 +8447,7 @@
               <a:rPr lang="en-US" altLang="zh-CN" smtClean="0"/>
               <a:t>Second level</a:t>
             </a:r>
+            <a:endParaRPr lang="en-US" altLang="zh-CN" smtClean="0"/>
           </a:p>
           <a:p>
             <a:pPr lvl="2"/>
@@ -8344,6 +8455,7 @@
               <a:rPr lang="en-US" altLang="zh-CN" smtClean="0"/>
               <a:t>Third level</a:t>
             </a:r>
+            <a:endParaRPr lang="en-US" altLang="zh-CN" smtClean="0"/>
           </a:p>
           <a:p>
             <a:pPr lvl="3"/>
@@ -8351,6 +8463,7 @@
               <a:rPr lang="en-US" altLang="zh-CN" smtClean="0"/>
               <a:t>Fourth level</a:t>
             </a:r>
+            <a:endParaRPr lang="en-US" altLang="zh-CN" smtClean="0"/>
           </a:p>
           <a:p>
             <a:pPr lvl="4"/>
@@ -8398,8 +8511,6 @@
           <a:p>
             <a:fld id="{327B613C-1AD7-49D3-885D-F654C5CDBAA6}" type="datetime1">
               <a:rPr lang="en-US" smtClean="0"/>
-              <a:pPr/>
-              <a:t>4/18/2017</a:t>
             </a:fld>
             <a:endParaRPr lang="en-US" dirty="0"/>
           </a:p>
@@ -8476,8 +8587,6 @@
           <a:p>
             <a:fld id="{6E2D2B3B-882E-40F3-A32F-6DD516915044}" type="slidenum">
               <a:rPr lang="en-US" smtClean="0"/>
-              <a:pPr/>
-              <a:t>‹#›</a:t>
             </a:fld>
             <a:endParaRPr lang="en-US" dirty="0"/>
           </a:p>
@@ -8487,26 +8596,26 @@
   </p:cSld>
   <p:clrMap bg1="lt1" tx1="dk1" bg2="lt2" tx2="dk2" accent1="accent1" accent2="accent2" accent3="accent3" accent4="accent4" accent5="accent5" accent6="accent6" hlink="hlink" folHlink="folHlink"/>
   <p:sldLayoutIdLst>
-    <p:sldLayoutId id="2147483999" r:id="rId1"/>
-    <p:sldLayoutId id="2147484000" r:id="rId2"/>
-    <p:sldLayoutId id="2147484001" r:id="rId3"/>
-    <p:sldLayoutId id="2147484002" r:id="rId4"/>
-    <p:sldLayoutId id="2147484003" r:id="rId5"/>
-    <p:sldLayoutId id="2147484004" r:id="rId6"/>
-    <p:sldLayoutId id="2147484005" r:id="rId7"/>
-    <p:sldLayoutId id="2147484006" r:id="rId8"/>
-    <p:sldLayoutId id="2147484007" r:id="rId9"/>
-    <p:sldLayoutId id="2147484008" r:id="rId10"/>
-    <p:sldLayoutId id="2147484009" r:id="rId11"/>
-    <p:sldLayoutId id="2147484010" r:id="rId12"/>
-    <p:sldLayoutId id="2147484011" r:id="rId13"/>
-    <p:sldLayoutId id="2147484012" r:id="rId14"/>
-    <p:sldLayoutId id="2147484013" r:id="rId15"/>
-    <p:sldLayoutId id="2147484014" r:id="rId16"/>
-    <p:sldLayoutId id="2147484015" r:id="rId17"/>
-    <p:sldLayoutId id="2147484016" r:id="rId18"/>
-    <p:sldLayoutId id="2147484017" r:id="rId19"/>
-    <p:sldLayoutId id="2147484018" r:id="rId20"/>
+    <p:sldLayoutId id="2147483649" r:id="rId1"/>
+    <p:sldLayoutId id="2147483650" r:id="rId2"/>
+    <p:sldLayoutId id="2147483651" r:id="rId3"/>
+    <p:sldLayoutId id="2147483652" r:id="rId4"/>
+    <p:sldLayoutId id="2147483653" r:id="rId5"/>
+    <p:sldLayoutId id="2147483654" r:id="rId6"/>
+    <p:sldLayoutId id="2147483655" r:id="rId7"/>
+    <p:sldLayoutId id="2147483656" r:id="rId8"/>
+    <p:sldLayoutId id="2147483657" r:id="rId9"/>
+    <p:sldLayoutId id="2147483658" r:id="rId10"/>
+    <p:sldLayoutId id="2147483659" r:id="rId11"/>
+    <p:sldLayoutId id="2147483660" r:id="rId12"/>
+    <p:sldLayoutId id="2147483661" r:id="rId13"/>
+    <p:sldLayoutId id="2147483662" r:id="rId14"/>
+    <p:sldLayoutId id="2147483663" r:id="rId15"/>
+    <p:sldLayoutId id="2147483664" r:id="rId16"/>
+    <p:sldLayoutId id="2147483665" r:id="rId17"/>
+    <p:sldLayoutId id="2147483666" r:id="rId18"/>
+    <p:sldLayoutId id="2147483667" r:id="rId19"/>
+    <p:sldLayoutId id="2147483668" r:id="rId20"/>
   </p:sldLayoutIdLst>
   <p:hf sldNum="0" hdr="0" ftr="0" dt="0"/>
   <p:txStyles>
@@ -8535,7 +8644,7 @@
           <a:schemeClr val="accent1"/>
         </a:buClr>
         <a:buSzPct val="75000"/>
-        <a:buFont typeface="Wingdings" pitchFamily="2" charset="2"/>
+        <a:buFont typeface="Wingdings" panose="05000000000000000000" pitchFamily="2" charset="2"/>
         <a:buChar char="n"/>
         <a:defRPr sz="2000" kern="1200">
           <a:solidFill>
@@ -8560,7 +8669,7 @@
           </a:schemeClr>
         </a:buClr>
         <a:buSzPct val="75000"/>
-        <a:buFont typeface="Wingdings" pitchFamily="2" charset="2"/>
+        <a:buFont typeface="Wingdings" panose="05000000000000000000" pitchFamily="2" charset="2"/>
         <a:buChar char="n"/>
         <a:defRPr sz="1800" kern="1200">
           <a:solidFill>
@@ -8582,7 +8691,7 @@
           <a:schemeClr val="accent1"/>
         </a:buClr>
         <a:buSzPct val="75000"/>
-        <a:buFont typeface="Wingdings" pitchFamily="2" charset="2"/>
+        <a:buFont typeface="Wingdings" panose="05000000000000000000" pitchFamily="2" charset="2"/>
         <a:buChar char="n"/>
         <a:defRPr sz="1800" kern="1200">
           <a:solidFill>
@@ -8607,7 +8716,7 @@
           </a:schemeClr>
         </a:buClr>
         <a:buSzPct val="75000"/>
-        <a:buFont typeface="Wingdings" pitchFamily="2" charset="2"/>
+        <a:buFont typeface="Wingdings" panose="05000000000000000000" pitchFamily="2" charset="2"/>
         <a:buChar char="n"/>
         <a:defRPr sz="1800" kern="1200">
           <a:solidFill>
@@ -8629,7 +8738,7 @@
           <a:schemeClr val="accent1"/>
         </a:buClr>
         <a:buSzPct val="75000"/>
-        <a:buFont typeface="Wingdings" pitchFamily="2" charset="2"/>
+        <a:buFont typeface="Wingdings" panose="05000000000000000000" pitchFamily="2" charset="2"/>
         <a:buChar char="n"/>
         <a:defRPr sz="1800" kern="1200">
           <a:solidFill>
@@ -8654,7 +8763,7 @@
           </a:schemeClr>
         </a:buClr>
         <a:buSzPct val="75000"/>
-        <a:buFont typeface="Wingdings" pitchFamily="2" charset="2"/>
+        <a:buFont typeface="Wingdings" panose="05000000000000000000" pitchFamily="2" charset="2"/>
         <a:buChar char=""/>
         <a:defRPr lang="en-US" sz="1800" kern="1200" dirty="0" smtClean="0">
           <a:solidFill>
@@ -8676,7 +8785,7 @@
           <a:schemeClr val="accent1"/>
         </a:buClr>
         <a:buSzPct val="75000"/>
-        <a:buFont typeface="Wingdings" pitchFamily="2" charset="2"/>
+        <a:buFont typeface="Wingdings" panose="05000000000000000000" pitchFamily="2" charset="2"/>
         <a:buChar char=""/>
         <a:defRPr lang="en-US" sz="1800" kern="1200" baseline="0" dirty="0" smtClean="0">
           <a:solidFill>
@@ -8690,7 +8799,7 @@
           <a:cs typeface="+mn-cs"/>
         </a:defRPr>
       </a:lvl7pPr>
-      <a:lvl8pPr marL="1830388" indent="-228600" algn="l" defTabSz="914400" rtl="0" eaLnBrk="1" latinLnBrk="0" hangingPunct="1">
+      <a:lvl8pPr marL="1830705" indent="-228600" algn="l" defTabSz="914400" rtl="0" eaLnBrk="1" latinLnBrk="0" hangingPunct="1">
         <a:spcBef>
           <a:spcPct val="20000"/>
         </a:spcBef>
@@ -8701,7 +8810,7 @@
           </a:schemeClr>
         </a:buClr>
         <a:buSzPct val="75000"/>
-        <a:buFont typeface="Wingdings" pitchFamily="2" charset="2"/>
+        <a:buFont typeface="Wingdings" panose="05000000000000000000" pitchFamily="2" charset="2"/>
         <a:buChar char=""/>
         <a:defRPr lang="en-US" sz="1800" kern="1200" baseline="0" dirty="0" smtClean="0">
           <a:solidFill>
@@ -8723,7 +8832,7 @@
           <a:schemeClr val="accent1"/>
         </a:buClr>
         <a:buSzPct val="75000"/>
-        <a:buFont typeface="Wingdings" pitchFamily="2" charset="2"/>
+        <a:buFont typeface="Wingdings" panose="05000000000000000000" pitchFamily="2" charset="2"/>
         <a:buChar char=""/>
         <a:defRPr lang="en-US" sz="1800" kern="1200" baseline="0" dirty="0">
           <a:solidFill>
@@ -8951,11 +9060,6 @@
         </p:txBody>
       </p:sp>
     </p:spTree>
-    <p:extLst>
-      <p:ext uri="{BB962C8B-B14F-4D97-AF65-F5344CB8AC3E}">
-        <p14:creationId xmlns:p14="http://schemas.microsoft.com/office/powerpoint/2010/main" val="4233442338"/>
-      </p:ext>
-    </p:extLst>
   </p:cSld>
   <p:clrMapOvr>
     <a:masterClrMapping/>
@@ -9042,7 +9146,7 @@
           </p:nvPr>
         </p:nvPicPr>
         <p:blipFill>
-          <a:blip r:embed="rId2" cstate="email">
+          <a:blip r:embed="rId1" cstate="email">
             <a:extLst>
               <a:ext uri="{28A0092B-C50C-407E-A947-70E740481C1C}">
                 <a14:useLocalDpi xmlns:a14="http://schemas.microsoft.com/office/drawing/2010/main" val="0"/>
@@ -9097,11 +9201,6 @@
         </p:txBody>
       </p:sp>
     </p:spTree>
-    <p:extLst>
-      <p:ext uri="{BB962C8B-B14F-4D97-AF65-F5344CB8AC3E}">
-        <p14:creationId xmlns:p14="http://schemas.microsoft.com/office/powerpoint/2010/main" val="2590641665"/>
-      </p:ext>
-    </p:extLst>
   </p:cSld>
   <p:clrMapOvr>
     <a:masterClrMapping/>
@@ -9160,7 +9259,7 @@
           </p:nvPr>
         </p:nvPicPr>
         <p:blipFill>
-          <a:blip r:embed="rId2" cstate="email">
+          <a:blip r:embed="rId1" cstate="email">
             <a:extLst>
               <a:ext uri="{28A0092B-C50C-407E-A947-70E740481C1C}">
                 <a14:useLocalDpi xmlns:a14="http://schemas.microsoft.com/office/drawing/2010/main" val="0"/>
@@ -9203,11 +9302,6 @@
         </p:txBody>
       </p:sp>
     </p:spTree>
-    <p:extLst>
-      <p:ext uri="{BB962C8B-B14F-4D97-AF65-F5344CB8AC3E}">
-        <p14:creationId xmlns:p14="http://schemas.microsoft.com/office/powerpoint/2010/main" val="1933891466"/>
-      </p:ext>
-    </p:extLst>
   </p:cSld>
   <p:clrMapOvr>
     <a:masterClrMapping/>
@@ -9266,7 +9360,7 @@
           </p:nvPr>
         </p:nvPicPr>
         <p:blipFill>
-          <a:blip r:embed="rId2"/>
+          <a:blip r:embed="rId1"/>
           <a:stretch>
             <a:fillRect/>
           </a:stretch>
@@ -9290,7 +9384,7 @@
           <p:nvPr/>
         </p:nvPicPr>
         <p:blipFill>
-          <a:blip r:embed="rId3" cstate="email">
+          <a:blip r:embed="rId2" cstate="email">
             <a:extLst>
               <a:ext uri="{28A0092B-C50C-407E-A947-70E740481C1C}">
                 <a14:useLocalDpi xmlns:a14="http://schemas.microsoft.com/office/drawing/2010/main" val="0"/>
@@ -9344,11 +9438,6 @@
         </p:txBody>
       </p:sp>
     </p:spTree>
-    <p:extLst>
-      <p:ext uri="{BB962C8B-B14F-4D97-AF65-F5344CB8AC3E}">
-        <p14:creationId xmlns:p14="http://schemas.microsoft.com/office/powerpoint/2010/main" val="4125127960"/>
-      </p:ext>
-    </p:extLst>
   </p:cSld>
   <p:clrMapOvr>
     <a:masterClrMapping/>
@@ -9423,6 +9512,30 @@
           </p:nvPr>
         </p:nvPicPr>
         <p:blipFill>
+          <a:blip r:embed="rId1"/>
+          <a:stretch>
+            <a:fillRect/>
+          </a:stretch>
+        </p:blipFill>
+        <p:spPr>
+          <a:xfrm>
+            <a:off x="545070" y="1803163"/>
+            <a:ext cx="1721475" cy="2074971"/>
+          </a:xfrm>
+          <a:prstGeom prst="rect">
+            <a:avLst/>
+          </a:prstGeom>
+        </p:spPr>
+      </p:pic>
+      <p:pic>
+        <p:nvPicPr>
+          <p:cNvPr id="5" name="图片 4"/>
+          <p:cNvPicPr>
+            <a:picLocks noChangeAspect="1"/>
+          </p:cNvPicPr>
+          <p:nvPr/>
+        </p:nvPicPr>
+        <p:blipFill>
           <a:blip r:embed="rId2"/>
           <a:stretch>
             <a:fillRect/>
@@ -9430,8 +9543,8 @@
         </p:blipFill>
         <p:spPr>
           <a:xfrm>
-            <a:off x="545070" y="1803163"/>
-            <a:ext cx="1721475" cy="2074971"/>
+            <a:off x="2557695" y="2224773"/>
+            <a:ext cx="1591131" cy="3306721"/>
           </a:xfrm>
           <a:prstGeom prst="rect">
             <a:avLst/>
@@ -9440,7 +9553,7 @@
       </p:pic>
       <p:pic>
         <p:nvPicPr>
-          <p:cNvPr id="5" name="图片 4"/>
+          <p:cNvPr id="6" name="图片 5"/>
           <p:cNvPicPr>
             <a:picLocks noChangeAspect="1"/>
           </p:cNvPicPr>
@@ -9454,38 +9567,14 @@
         </p:blipFill>
         <p:spPr>
           <a:xfrm>
-            <a:off x="2557695" y="2224773"/>
-            <a:ext cx="1591131" cy="3306721"/>
+            <a:off x="498474" y="4163229"/>
+            <a:ext cx="1781509" cy="1844919"/>
           </a:xfrm>
           <a:prstGeom prst="rect">
             <a:avLst/>
           </a:prstGeom>
         </p:spPr>
       </p:pic>
-      <p:pic>
-        <p:nvPicPr>
-          <p:cNvPr id="6" name="图片 5"/>
-          <p:cNvPicPr>
-            <a:picLocks noChangeAspect="1"/>
-          </p:cNvPicPr>
-          <p:nvPr/>
-        </p:nvPicPr>
-        <p:blipFill>
-          <a:blip r:embed="rId4"/>
-          <a:stretch>
-            <a:fillRect/>
-          </a:stretch>
-        </p:blipFill>
-        <p:spPr>
-          <a:xfrm>
-            <a:off x="498474" y="4163229"/>
-            <a:ext cx="1781509" cy="1844919"/>
-          </a:xfrm>
-          <a:prstGeom prst="rect">
-            <a:avLst/>
-          </a:prstGeom>
-        </p:spPr>
-      </p:pic>
       <p:sp>
         <p:nvSpPr>
           <p:cNvPr id="7" name="文本框 6"/>
@@ -9494,8 +9583,8 @@
         </p:nvSpPr>
         <p:spPr>
           <a:xfrm>
-            <a:off x="4792532" y="3544645"/>
-            <a:ext cx="2985247" cy="369332"/>
+            <a:off x="4653915" y="2225040"/>
+            <a:ext cx="3400425" cy="3719830"/>
           </a:xfrm>
           <a:prstGeom prst="rect">
             <a:avLst/>
@@ -9510,18 +9599,13 @@
           <a:p>
             <a:r>
               <a:rPr lang="en-US" dirty="0" smtClean="0"/>
-              <a:t>By GLH.</a:t>
+              <a:t>This is the routing table in each switch, assigned by specific algorithm. There are some differences between different layers. Each table contains prefix table and suffix table. When one packet comes to one switch, the switch will compare the packet destination IP with the table, then decide which port will the packet export.</a:t>
             </a:r>
             <a:endParaRPr lang="en-US" dirty="0"/>
           </a:p>
         </p:txBody>
       </p:sp>
     </p:spTree>
-    <p:extLst>
-      <p:ext uri="{BB962C8B-B14F-4D97-AF65-F5344CB8AC3E}">
-        <p14:creationId xmlns:p14="http://schemas.microsoft.com/office/powerpoint/2010/main" val="2810170290"/>
-      </p:ext>
-    </p:extLst>
   </p:cSld>
   <p:clrMapOvr>
     <a:masterClrMapping/>
@@ -9557,7 +9641,7 @@
           </p:nvPr>
         </p:nvPicPr>
         <p:blipFill>
-          <a:blip r:embed="rId2"/>
+          <a:blip r:embed="rId1"/>
           <a:stretch>
             <a:fillRect/>
           </a:stretch>
@@ -9614,10 +9698,10 @@
         </p:nvGrpSpPr>
         <p:grpSpPr>
           <a:xfrm>
-            <a:off x="4495198" y="2435192"/>
-            <a:ext cx="4213907" cy="2088682"/>
-            <a:chOff x="3334871" y="3179360"/>
-            <a:chExt cx="5408406" cy="2322095"/>
+            <a:off x="4319195" y="2820553"/>
+            <a:ext cx="4424082" cy="2145895"/>
+            <a:chOff x="3334871" y="2820553"/>
+            <a:chExt cx="5408406" cy="2966744"/>
           </a:xfrm>
         </p:grpSpPr>
         <p:pic>
@@ -9628,21 +9712,23 @@
             </p:cNvPicPr>
             <p:nvPr/>
           </p:nvPicPr>
-          <p:blipFill rotWithShape="1">
-            <a:blip r:embed="rId3" cstate="email">
+          <p:blipFill>
+            <a:blip r:embed="rId2" cstate="email">
               <a:extLst>
                 <a:ext uri="{28A0092B-C50C-407E-A947-70E740481C1C}">
                   <a14:useLocalDpi xmlns:a14="http://schemas.microsoft.com/office/drawing/2010/main" val="0"/>
                 </a:ext>
               </a:extLst>
             </a:blip>
-            <a:srcRect t="-1045" b="-4357"/>
-            <a:stretch/>
+            <a:srcRect t="-17332" b="-17332"/>
+            <a:stretch>
+              <a:fillRect/>
+            </a:stretch>
           </p:blipFill>
           <p:spPr>
             <a:xfrm>
-              <a:off x="3334871" y="3179360"/>
-              <a:ext cx="5408406" cy="2322095"/>
+              <a:off x="3334871" y="2820553"/>
+              <a:ext cx="5408406" cy="2966744"/>
             </a:xfrm>
             <a:prstGeom prst="rect">
               <a:avLst/>
@@ -9823,8 +9909,8 @@
         </p:nvSpPr>
         <p:spPr>
           <a:xfrm>
-            <a:off x="263562" y="3316978"/>
-            <a:ext cx="3970568" cy="1754326"/>
+            <a:off x="263525" y="3317240"/>
+            <a:ext cx="3909060" cy="1799590"/>
           </a:xfrm>
           <a:prstGeom prst="rect">
             <a:avLst/>
@@ -9842,6 +9928,7 @@
               <a:rPr lang="en-US" dirty="0" smtClean="0"/>
               <a:t>We simulated the routing path from 10.0.1.2 to 10.2.0.3 using the routing algorithm mentioned in the paper.</a:t>
             </a:r>
+            <a:endParaRPr lang="en-US" dirty="0" smtClean="0"/>
           </a:p>
           <a:p>
             <a:pPr algn="just"/>
@@ -9849,20 +9936,50 @@
           </a:p>
           <a:p>
             <a:pPr algn="just"/>
-            <a:r>
-              <a:rPr lang="en-US" dirty="0" smtClean="0"/>
-              <a:t>BY GLH.</a:t>
-            </a:r>
             <a:endParaRPr lang="en-US" dirty="0"/>
           </a:p>
         </p:txBody>
       </p:sp>
+      <p:sp>
+        <p:nvSpPr>
+          <p:cNvPr id="3" name="文本框 2"/>
+          <p:cNvSpPr txBox="1"/>
+          <p:nvPr/>
+        </p:nvSpPr>
+        <p:spPr>
+          <a:xfrm>
+            <a:off x="263525" y="4799965"/>
+            <a:ext cx="8479790" cy="1961515"/>
+          </a:xfrm>
+          <a:prstGeom prst="rect">
+            <a:avLst/>
+          </a:prstGeom>
+          <a:noFill/>
+        </p:spPr>
+        <p:txBody>
+          <a:bodyPr wrap="square" rtlCol="0">
+            <a:spAutoFit/>
+          </a:bodyPr>
+          <a:p>
+            <a:pPr algn="just"/>
+            <a:r>
+              <a:rPr lang="en-US" sz="1200" dirty="0" smtClean="0">
+                <a:sym typeface="+mn-ea"/>
+              </a:rPr>
+              <a:t>In this case, First, the gateway switch of the source host (10.0.1.1) will only match the packet with the /0 first-level prefix, and therefore will forward the packet based on the host ID byte according to the secondary table for that prefix. In that table, the packet matches the 0.0.0.3/8 suffix, which points to port 2 and switch 10.0.2.1. Switch 10.0.2.1 also follows the same steps and forwards on port 3, connected to core switch 10.4.1.1. The core switch matches the packet to a terminating 10.2.0.0/16 prefix, which points to the destination pod 2 on port 2, and switch 10.2.2.1. This switch belongs to the same </a:t>
+            </a:r>
+            <a:r>
+              <a:rPr lang="en-US" sz="1200" dirty="0"/>
+              <a:t>pod as the destination subnet, and therefore has a terminating prefix, 10.2.0.0/24, which points to the switch responsible for that subnet, 10.2.0.1 on port 0. From there, standard switching techniques deliver the packet to the destination host 10.2.0.3.</a:t>
+            </a:r>
+            <a:endParaRPr lang="en-US" sz="1200" dirty="0"/>
+          </a:p>
+          <a:p>
+            <a:endParaRPr lang="zh-CN" altLang="en-US" sz="1200"/>
+          </a:p>
+        </p:txBody>
+      </p:sp>
     </p:spTree>
-    <p:extLst>
-      <p:ext uri="{BB962C8B-B14F-4D97-AF65-F5344CB8AC3E}">
-        <p14:creationId xmlns:p14="http://schemas.microsoft.com/office/powerpoint/2010/main" val="710163963"/>
-      </p:ext>
-    </p:extLst>
   </p:cSld>
   <p:clrMapOvr>
     <a:masterClrMapping/>
@@ -9937,6 +10054,7 @@
               <a:rPr lang="en-US" sz="1400" dirty="0" smtClean="0"/>
               <a:t>We also ran several simulations on flow classification.</a:t>
             </a:r>
+            <a:endParaRPr lang="en-US" sz="1400" dirty="0" smtClean="0"/>
           </a:p>
           <a:p>
             <a:pPr lvl="0" algn="just" fontAlgn="base"/>
@@ -9944,6 +10062,7 @@
               <a:rPr lang="en-US" sz="1400" dirty="0" smtClean="0"/>
               <a:t>When there is a new flow coming, we  can run the flow classification algorithm in order to :</a:t>
             </a:r>
+            <a:endParaRPr lang="en-US" sz="1400" dirty="0" smtClean="0"/>
           </a:p>
           <a:p>
             <a:pPr lvl="0" algn="just" fontAlgn="base"/>
@@ -9955,6 +10074,7 @@
               <a:rPr lang="en-US" sz="1400" dirty="0"/>
               <a:t>subsequent packets of the same flow, and forward them on the same outgoing port.</a:t>
             </a:r>
+            <a:endParaRPr lang="en-US" sz="1400" dirty="0"/>
           </a:p>
           <a:p>
             <a:pPr lvl="0" algn="just" fontAlgn="base"/>
@@ -9966,6 +10086,7 @@
               <a:rPr lang="en-US" sz="1400" dirty="0"/>
               <a:t>reassign a minimal number of flow output ports to minimize any disparity between the aggregate flow capacity of different ports.</a:t>
             </a:r>
+            <a:endParaRPr lang="en-US" sz="1400" dirty="0"/>
           </a:p>
           <a:p>
             <a:pPr algn="just"/>
@@ -9982,7 +10103,7 @@
           <p:nvPr/>
         </p:nvPicPr>
         <p:blipFill>
-          <a:blip r:embed="rId2"/>
+          <a:blip r:embed="rId1"/>
           <a:stretch>
             <a:fillRect/>
           </a:stretch>
@@ -9998,11 +10119,6 @@
         </p:spPr>
       </p:pic>
     </p:spTree>
-    <p:extLst>
-      <p:ext uri="{BB962C8B-B14F-4D97-AF65-F5344CB8AC3E}">
-        <p14:creationId xmlns:p14="http://schemas.microsoft.com/office/powerpoint/2010/main" val="3915293230"/>
-      </p:ext>
-    </p:extLst>
   </p:cSld>
   <p:clrMapOvr>
     <a:masterClrMapping/>
@@ -10094,6 +10210,7 @@
               <a:rPr lang="en-US" dirty="0" smtClean="0"/>
               <a:t>Fat-Tree &amp; VL2: center on switches.</a:t>
             </a:r>
+            <a:endParaRPr lang="en-US" dirty="0" smtClean="0"/>
           </a:p>
           <a:p>
             <a:pPr lvl="2"/>
@@ -10125,6 +10242,7 @@
               <a:rPr lang="en-US" dirty="0" smtClean="0"/>
               <a:t>: center on server.</a:t>
             </a:r>
+            <a:endParaRPr lang="en-US" dirty="0" smtClean="0"/>
           </a:p>
           <a:p>
             <a:pPr lvl="2"/>
@@ -10165,12 +10283,37 @@
               <a:rPr lang="en-US" sz="1000" dirty="0"/>
               <a:t> C, Lu G, Li D, Wu H, Zhang X, Shi Y, Tian C, Zhang Y, Lu S. BCube: A high performance, server-centric network architecture for modular data centers. In: Proc. of the SIGCOMM. 2009. 63-74 .</a:t>
             </a:r>
+            <a:endParaRPr lang="en-US" sz="1000" dirty="0"/>
           </a:p>
         </p:txBody>
       </p:sp>
       <p:pic>
         <p:nvPicPr>
           <p:cNvPr id="5" name="图片 4"/>
+          <p:cNvPicPr>
+            <a:picLocks noChangeAspect="1"/>
+          </p:cNvPicPr>
+          <p:nvPr/>
+        </p:nvPicPr>
+        <p:blipFill>
+          <a:blip r:embed="rId1"/>
+          <a:stretch>
+            <a:fillRect/>
+          </a:stretch>
+        </p:blipFill>
+        <p:spPr>
+          <a:xfrm>
+            <a:off x="1304930" y="2804201"/>
+            <a:ext cx="5943399" cy="1794117"/>
+          </a:xfrm>
+          <a:prstGeom prst="rect">
+            <a:avLst/>
+          </a:prstGeom>
+        </p:spPr>
+      </p:pic>
+      <p:pic>
+        <p:nvPicPr>
+          <p:cNvPr id="6" name="图片 5"/>
           <p:cNvPicPr>
             <a:picLocks noChangeAspect="1"/>
           </p:cNvPicPr>
@@ -10184,38 +10327,14 @@
         </p:blipFill>
         <p:spPr>
           <a:xfrm>
-            <a:off x="1304930" y="2804201"/>
-            <a:ext cx="5943399" cy="1794117"/>
+            <a:off x="1304930" y="4699690"/>
+            <a:ext cx="2189396" cy="1697439"/>
           </a:xfrm>
           <a:prstGeom prst="rect">
             <a:avLst/>
           </a:prstGeom>
         </p:spPr>
       </p:pic>
-      <p:pic>
-        <p:nvPicPr>
-          <p:cNvPr id="6" name="图片 5"/>
-          <p:cNvPicPr>
-            <a:picLocks noChangeAspect="1"/>
-          </p:cNvPicPr>
-          <p:nvPr/>
-        </p:nvPicPr>
-        <p:blipFill>
-          <a:blip r:embed="rId3"/>
-          <a:stretch>
-            <a:fillRect/>
-          </a:stretch>
-        </p:blipFill>
-        <p:spPr>
-          <a:xfrm>
-            <a:off x="1304930" y="4699690"/>
-            <a:ext cx="2189396" cy="1697439"/>
-          </a:xfrm>
-          <a:prstGeom prst="rect">
-            <a:avLst/>
-          </a:prstGeom>
-        </p:spPr>
-      </p:pic>
       <p:sp>
         <p:nvSpPr>
           <p:cNvPr id="7" name="文本框 6"/>
@@ -10224,7 +10343,7 @@
         </p:nvSpPr>
         <p:spPr>
           <a:xfrm>
-            <a:off x="3604660" y="6221282"/>
+            <a:off x="3959625" y="6016177"/>
             <a:ext cx="4177365" cy="261610"/>
           </a:xfrm>
           <a:prstGeom prst="rect">
@@ -10246,15 +10365,11 @@
               <a:rPr lang="en-US" sz="1100" dirty="0"/>
               <a:t>http://www.jos.org.cn/html/2014/6/4444.htm</a:t>
             </a:r>
+            <a:endParaRPr lang="en-US" sz="1100" dirty="0"/>
           </a:p>
         </p:txBody>
       </p:sp>
     </p:spTree>
-    <p:extLst>
-      <p:ext uri="{BB962C8B-B14F-4D97-AF65-F5344CB8AC3E}">
-        <p14:creationId xmlns:p14="http://schemas.microsoft.com/office/powerpoint/2010/main" val="2681245345"/>
-      </p:ext>
-    </p:extLst>
   </p:cSld>
   <p:clrMapOvr>
     <a:masterClrMapping/>
@@ -10525,6 +10640,11 @@
     </a:lnDef>
   </a:objectDefaults>
   <a:extraClrSchemeLst/>
+  <a:extLst>
+    <a:ext uri="{05A4C25C-085E-4340-85A3-A5531E510DB2}">
+      <thm15:themeFamily xmlns:thm15="http://schemas.microsoft.com/office/thememl/2012/main" name="Office Theme" id="{62F939B6-93AF-4DB8-9C6B-D6C7DFDC589F}" vid="{4A3C46E8-61CC-4603-A589-7422A47A8E4A}"/>
+    </a:ext>
+  </a:extLst>
 </a:theme>
 </file>
 
@@ -10845,5 +10965,10 @@
     </a:lnDef>
   </a:objectDefaults>
   <a:extraClrSchemeLst/>
+  <a:extLst>
+    <a:ext uri="{05A4C25C-085E-4340-85A3-A5531E510DB2}">
+      <thm15:themeFamily xmlns:thm15="http://schemas.microsoft.com/office/thememl/2012/main" name="Office Theme" id="{62F939B6-93AF-4DB8-9C6B-D6C7DFDC589F}" vid="{4A3C46E8-61CC-4603-A589-7422A47A8E4A}"/>
+    </a:ext>
+  </a:extLst>
 </a:theme>
 </file>